--- a/Android大作业.pptx
+++ b/Android大作业.pptx
@@ -6,7 +6,7 @@
     <p:sldMasterId id="2147483672" r:id="rId2"/>
   </p:sldMasterIdLst>
   <p:notesMasterIdLst>
-    <p:notesMasterId r:id="rId9"/>
+    <p:notesMasterId r:id="rId10"/>
   </p:notesMasterIdLst>
   <p:sldIdLst>
     <p:sldId id="256" r:id="rId3"/>
@@ -15,6 +15,7 @@
     <p:sldId id="259" r:id="rId6"/>
     <p:sldId id="266" r:id="rId7"/>
     <p:sldId id="264" r:id="rId8"/>
+    <p:sldId id="268" r:id="rId9"/>
   </p:sldIdLst>
   <p:sldSz cx="9144000" cy="5143500" type="screen16x9"/>
   <p:notesSz cx="6858000" cy="9144000"/>
@@ -1355,6 +1356,115 @@
 </p:notes>
 </file>
 
+<file path=ppt/notesSlides/notesSlide7.xml><?xml version="1.0" encoding="utf-8"?>
+<p:notes xmlns:a="http://schemas.openxmlformats.org/drawingml/2006/main" xmlns:r="http://schemas.openxmlformats.org/officeDocument/2006/relationships" xmlns:p="http://schemas.openxmlformats.org/presentationml/2006/main" showMasterSp="0" showMasterPhAnim="0">
+  <p:cSld>
+    <p:spTree>
+      <p:nvGrpSpPr>
+        <p:cNvPr id="1" name="Shape 155"/>
+        <p:cNvGrpSpPr/>
+        <p:nvPr/>
+      </p:nvGrpSpPr>
+      <p:grpSpPr>
+        <a:xfrm>
+          <a:off x="0" y="0"/>
+          <a:ext cx="0" cy="0"/>
+          <a:chOff x="0" y="0"/>
+          <a:chExt cx="0" cy="0"/>
+        </a:xfrm>
+      </p:grpSpPr>
+      <p:sp>
+        <p:nvSpPr>
+          <p:cNvPr id="156" name="Google Shape;156;g4c170e2e48_0_0:notes"/>
+          <p:cNvSpPr txBox="1">
+            <a:spLocks noGrp="1"/>
+          </p:cNvSpPr>
+          <p:nvPr>
+            <p:ph type="body" idx="1"/>
+          </p:nvPr>
+        </p:nvSpPr>
+        <p:spPr>
+          <a:xfrm>
+            <a:off x="914400" y="4343400"/>
+            <a:ext cx="5029200" cy="4114800"/>
+          </a:xfrm>
+          <a:prstGeom prst="rect">
+            <a:avLst/>
+          </a:prstGeom>
+        </p:spPr>
+        <p:txBody>
+          <a:bodyPr spcFirstLastPara="1" wrap="square" lIns="91425" tIns="91425" rIns="91425" bIns="91425" anchor="t" anchorCtr="0">
+            <a:noAutofit/>
+          </a:bodyPr>
+          <a:lstStyle/>
+          <a:p>
+            <a:pPr marL="0" lvl="0" indent="0" algn="l" rtl="0">
+              <a:spcBef>
+                <a:spcPts val="0"/>
+              </a:spcBef>
+              <a:spcAft>
+                <a:spcPts val="0"/>
+              </a:spcAft>
+              <a:buNone/>
+            </a:pPr>
+            <a:endParaRPr/>
+          </a:p>
+        </p:txBody>
+      </p:sp>
+      <p:sp>
+        <p:nvSpPr>
+          <p:cNvPr id="157" name="Google Shape;157;g4c170e2e48_0_0:notes"/>
+          <p:cNvSpPr>
+            <a:spLocks noGrp="1" noRot="1" noChangeAspect="1"/>
+          </p:cNvSpPr>
+          <p:nvPr>
+            <p:ph type="sldImg" idx="2"/>
+          </p:nvPr>
+        </p:nvSpPr>
+        <p:spPr>
+          <a:xfrm>
+            <a:off x="381000" y="685800"/>
+            <a:ext cx="6096000" cy="3429000"/>
+          </a:xfrm>
+          <a:custGeom>
+            <a:avLst/>
+            <a:gdLst/>
+            <a:ahLst/>
+            <a:cxnLst/>
+            <a:rect l="l" t="t" r="r" b="b"/>
+            <a:pathLst>
+              <a:path w="120000" h="120000" extrusionOk="0">
+                <a:moveTo>
+                  <a:pt x="0" y="0"/>
+                </a:moveTo>
+                <a:lnTo>
+                  <a:pt x="120000" y="0"/>
+                </a:lnTo>
+                <a:lnTo>
+                  <a:pt x="120000" y="120000"/>
+                </a:lnTo>
+                <a:lnTo>
+                  <a:pt x="0" y="120000"/>
+                </a:lnTo>
+                <a:close/>
+              </a:path>
+            </a:pathLst>
+          </a:custGeom>
+        </p:spPr>
+      </p:sp>
+    </p:spTree>
+    <p:extLst>
+      <p:ext uri="{BB962C8B-B14F-4D97-AF65-F5344CB8AC3E}">
+        <p14:creationId xmlns:p14="http://schemas.microsoft.com/office/powerpoint/2010/main" val="613981338"/>
+      </p:ext>
+    </p:extLst>
+  </p:cSld>
+  <p:clrMapOvr>
+    <a:masterClrMapping/>
+  </p:clrMapOvr>
+</p:notes>
+</file>
+
 <file path=ppt/slideLayouts/slideLayout1.xml><?xml version="1.0" encoding="utf-8"?>
 <p:sldLayout xmlns:a="http://schemas.openxmlformats.org/drawingml/2006/main" xmlns:r="http://schemas.openxmlformats.org/officeDocument/2006/relationships" xmlns:p="http://schemas.openxmlformats.org/presentationml/2006/main" matchingName="Title slide" type="title">
   <p:cSld name="TITLE">
@@ -2871,932 +2981,6 @@
 </file>
 
 <file path=ppt/slideLayouts/slideLayout13.xml><?xml version="1.0" encoding="utf-8"?>
-<p:sldLayout xmlns:a="http://schemas.openxmlformats.org/drawingml/2006/main" xmlns:r="http://schemas.openxmlformats.org/officeDocument/2006/relationships" xmlns:p="http://schemas.openxmlformats.org/presentationml/2006/main" matchingName="照片 - 水平" type="tx">
-  <p:cSld name="TITLE_AND_BODY">
-    <p:spTree>
-      <p:nvGrpSpPr>
-        <p:cNvPr id="1" name="Shape 58"/>
-        <p:cNvGrpSpPr/>
-        <p:nvPr/>
-      </p:nvGrpSpPr>
-      <p:grpSpPr>
-        <a:xfrm>
-          <a:off x="0" y="0"/>
-          <a:ext cx="0" cy="0"/>
-          <a:chOff x="0" y="0"/>
-          <a:chExt cx="0" cy="0"/>
-        </a:xfrm>
-      </p:grpSpPr>
-      <p:sp>
-        <p:nvSpPr>
-          <p:cNvPr id="59" name="Google Shape;59;p15"/>
-          <p:cNvSpPr>
-            <a:spLocks noGrp="1"/>
-          </p:cNvSpPr>
-          <p:nvPr>
-            <p:ph type="pic" idx="2"/>
-          </p:nvPr>
-        </p:nvSpPr>
-        <p:spPr>
-          <a:xfrm>
-            <a:off x="1172238" y="252413"/>
-            <a:ext cx="6801000" cy="3276600"/>
-          </a:xfrm>
-          <a:prstGeom prst="rect">
-            <a:avLst/>
-          </a:prstGeom>
-          <a:noFill/>
-          <a:ln>
-            <a:noFill/>
-          </a:ln>
-        </p:spPr>
-        <p:txBody>
-          <a:bodyPr spcFirstLastPara="1" wrap="square" lIns="34275" tIns="17150" rIns="34275" bIns="17150" anchor="t" anchorCtr="0">
-            <a:noAutofit/>
-          </a:bodyPr>
-          <a:lstStyle>
-            <a:lvl1pPr marR="0" lvl="0" algn="l" rtl="0">
-              <a:lnSpc>
-                <a:spcPct val="100000"/>
-              </a:lnSpc>
-              <a:spcBef>
-                <a:spcPts val="2200"/>
-              </a:spcBef>
-              <a:spcAft>
-                <a:spcPts val="0"/>
-              </a:spcAft>
-              <a:buClr>
-                <a:srgbClr val="000000"/>
-              </a:buClr>
-              <a:buSzPts val="2400"/>
-              <a:buFont typeface="Helvetica Neue"/>
-              <a:buChar char="•"/>
-              <a:defRPr sz="2000" b="0" i="0" u="none" strike="noStrike" cap="none">
-                <a:solidFill>
-                  <a:srgbClr val="000000"/>
-                </a:solidFill>
-                <a:latin typeface="Helvetica Neue"/>
-                <a:ea typeface="Helvetica Neue"/>
-                <a:cs typeface="Helvetica Neue"/>
-                <a:sym typeface="Helvetica Neue"/>
-              </a:defRPr>
-            </a:lvl1pPr>
-            <a:lvl2pPr marR="0" lvl="1" algn="l" rtl="0">
-              <a:lnSpc>
-                <a:spcPct val="100000"/>
-              </a:lnSpc>
-              <a:spcBef>
-                <a:spcPts val="2200"/>
-              </a:spcBef>
-              <a:spcAft>
-                <a:spcPts val="0"/>
-              </a:spcAft>
-              <a:buClr>
-                <a:srgbClr val="000000"/>
-              </a:buClr>
-              <a:buSzPts val="2400"/>
-              <a:buFont typeface="Helvetica Neue"/>
-              <a:buChar char="•"/>
-              <a:defRPr sz="2000" b="0" i="0" u="none" strike="noStrike" cap="none">
-                <a:solidFill>
-                  <a:srgbClr val="000000"/>
-                </a:solidFill>
-                <a:latin typeface="Helvetica Neue"/>
-                <a:ea typeface="Helvetica Neue"/>
-                <a:cs typeface="Helvetica Neue"/>
-                <a:sym typeface="Helvetica Neue"/>
-              </a:defRPr>
-            </a:lvl2pPr>
-            <a:lvl3pPr marR="0" lvl="2" algn="l" rtl="0">
-              <a:lnSpc>
-                <a:spcPct val="100000"/>
-              </a:lnSpc>
-              <a:spcBef>
-                <a:spcPts val="2200"/>
-              </a:spcBef>
-              <a:spcAft>
-                <a:spcPts val="0"/>
-              </a:spcAft>
-              <a:buClr>
-                <a:srgbClr val="000000"/>
-              </a:buClr>
-              <a:buSzPts val="2400"/>
-              <a:buFont typeface="Helvetica Neue"/>
-              <a:buChar char="•"/>
-              <a:defRPr sz="2000" b="0" i="0" u="none" strike="noStrike" cap="none">
-                <a:solidFill>
-                  <a:srgbClr val="000000"/>
-                </a:solidFill>
-                <a:latin typeface="Helvetica Neue"/>
-                <a:ea typeface="Helvetica Neue"/>
-                <a:cs typeface="Helvetica Neue"/>
-                <a:sym typeface="Helvetica Neue"/>
-              </a:defRPr>
-            </a:lvl3pPr>
-            <a:lvl4pPr marR="0" lvl="3" algn="l" rtl="0">
-              <a:lnSpc>
-                <a:spcPct val="100000"/>
-              </a:lnSpc>
-              <a:spcBef>
-                <a:spcPts val="2200"/>
-              </a:spcBef>
-              <a:spcAft>
-                <a:spcPts val="0"/>
-              </a:spcAft>
-              <a:buClr>
-                <a:srgbClr val="000000"/>
-              </a:buClr>
-              <a:buSzPts val="2400"/>
-              <a:buFont typeface="Helvetica Neue"/>
-              <a:buChar char="•"/>
-              <a:defRPr sz="2000" b="0" i="0" u="none" strike="noStrike" cap="none">
-                <a:solidFill>
-                  <a:srgbClr val="000000"/>
-                </a:solidFill>
-                <a:latin typeface="Helvetica Neue"/>
-                <a:ea typeface="Helvetica Neue"/>
-                <a:cs typeface="Helvetica Neue"/>
-                <a:sym typeface="Helvetica Neue"/>
-              </a:defRPr>
-            </a:lvl4pPr>
-            <a:lvl5pPr marR="0" lvl="4" algn="l" rtl="0">
-              <a:lnSpc>
-                <a:spcPct val="100000"/>
-              </a:lnSpc>
-              <a:spcBef>
-                <a:spcPts val="2200"/>
-              </a:spcBef>
-              <a:spcAft>
-                <a:spcPts val="0"/>
-              </a:spcAft>
-              <a:buClr>
-                <a:srgbClr val="000000"/>
-              </a:buClr>
-              <a:buSzPts val="2400"/>
-              <a:buFont typeface="Helvetica Neue"/>
-              <a:buChar char="•"/>
-              <a:defRPr sz="2000" b="0" i="0" u="none" strike="noStrike" cap="none">
-                <a:solidFill>
-                  <a:srgbClr val="000000"/>
-                </a:solidFill>
-                <a:latin typeface="Helvetica Neue"/>
-                <a:ea typeface="Helvetica Neue"/>
-                <a:cs typeface="Helvetica Neue"/>
-                <a:sym typeface="Helvetica Neue"/>
-              </a:defRPr>
-            </a:lvl5pPr>
-            <a:lvl6pPr marR="0" lvl="5" algn="l" rtl="0">
-              <a:lnSpc>
-                <a:spcPct val="100000"/>
-              </a:lnSpc>
-              <a:spcBef>
-                <a:spcPts val="2200"/>
-              </a:spcBef>
-              <a:spcAft>
-                <a:spcPts val="0"/>
-              </a:spcAft>
-              <a:buClr>
-                <a:srgbClr val="000000"/>
-              </a:buClr>
-              <a:buSzPts val="2400"/>
-              <a:buFont typeface="Helvetica Neue"/>
-              <a:buChar char="•"/>
-              <a:defRPr sz="2000" b="0" i="0" u="none" strike="noStrike" cap="none">
-                <a:solidFill>
-                  <a:srgbClr val="000000"/>
-                </a:solidFill>
-                <a:latin typeface="Helvetica Neue"/>
-                <a:ea typeface="Helvetica Neue"/>
-                <a:cs typeface="Helvetica Neue"/>
-                <a:sym typeface="Helvetica Neue"/>
-              </a:defRPr>
-            </a:lvl6pPr>
-            <a:lvl7pPr marR="0" lvl="6" algn="l" rtl="0">
-              <a:lnSpc>
-                <a:spcPct val="100000"/>
-              </a:lnSpc>
-              <a:spcBef>
-                <a:spcPts val="2200"/>
-              </a:spcBef>
-              <a:spcAft>
-                <a:spcPts val="0"/>
-              </a:spcAft>
-              <a:buClr>
-                <a:srgbClr val="000000"/>
-              </a:buClr>
-              <a:buSzPts val="2400"/>
-              <a:buFont typeface="Helvetica Neue"/>
-              <a:buChar char="•"/>
-              <a:defRPr sz="2000" b="0" i="0" u="none" strike="noStrike" cap="none">
-                <a:solidFill>
-                  <a:srgbClr val="000000"/>
-                </a:solidFill>
-                <a:latin typeface="Helvetica Neue"/>
-                <a:ea typeface="Helvetica Neue"/>
-                <a:cs typeface="Helvetica Neue"/>
-                <a:sym typeface="Helvetica Neue"/>
-              </a:defRPr>
-            </a:lvl7pPr>
-            <a:lvl8pPr marR="0" lvl="7" algn="l" rtl="0">
-              <a:lnSpc>
-                <a:spcPct val="100000"/>
-              </a:lnSpc>
-              <a:spcBef>
-                <a:spcPts val="2200"/>
-              </a:spcBef>
-              <a:spcAft>
-                <a:spcPts val="0"/>
-              </a:spcAft>
-              <a:buClr>
-                <a:srgbClr val="000000"/>
-              </a:buClr>
-              <a:buSzPts val="2400"/>
-              <a:buFont typeface="Helvetica Neue"/>
-              <a:buChar char="•"/>
-              <a:defRPr sz="2000" b="0" i="0" u="none" strike="noStrike" cap="none">
-                <a:solidFill>
-                  <a:srgbClr val="000000"/>
-                </a:solidFill>
-                <a:latin typeface="Helvetica Neue"/>
-                <a:ea typeface="Helvetica Neue"/>
-                <a:cs typeface="Helvetica Neue"/>
-                <a:sym typeface="Helvetica Neue"/>
-              </a:defRPr>
-            </a:lvl8pPr>
-            <a:lvl9pPr marR="0" lvl="8" algn="l" rtl="0">
-              <a:lnSpc>
-                <a:spcPct val="100000"/>
-              </a:lnSpc>
-              <a:spcBef>
-                <a:spcPts val="2200"/>
-              </a:spcBef>
-              <a:spcAft>
-                <a:spcPts val="0"/>
-              </a:spcAft>
-              <a:buClr>
-                <a:srgbClr val="000000"/>
-              </a:buClr>
-              <a:buSzPts val="2400"/>
-              <a:buFont typeface="Helvetica Neue"/>
-              <a:buChar char="•"/>
-              <a:defRPr sz="2000" b="0" i="0" u="none" strike="noStrike" cap="none">
-                <a:solidFill>
-                  <a:srgbClr val="000000"/>
-                </a:solidFill>
-                <a:latin typeface="Helvetica Neue"/>
-                <a:ea typeface="Helvetica Neue"/>
-                <a:cs typeface="Helvetica Neue"/>
-                <a:sym typeface="Helvetica Neue"/>
-              </a:defRPr>
-            </a:lvl9pPr>
-          </a:lstStyle>
-          <a:p>
-            <a:endParaRPr/>
-          </a:p>
-        </p:txBody>
-      </p:sp>
-      <p:sp>
-        <p:nvSpPr>
-          <p:cNvPr id="60" name="Google Shape;60;p15"/>
-          <p:cNvSpPr txBox="1">
-            <a:spLocks noGrp="1"/>
-          </p:cNvSpPr>
-          <p:nvPr>
-            <p:ph type="title"/>
-          </p:nvPr>
-        </p:nvSpPr>
-        <p:spPr>
-          <a:xfrm>
-            <a:off x="238125" y="3567113"/>
-            <a:ext cx="8667600" cy="752400"/>
-          </a:xfrm>
-          <a:prstGeom prst="rect">
-            <a:avLst/>
-          </a:prstGeom>
-          <a:noFill/>
-          <a:ln>
-            <a:noFill/>
-          </a:ln>
-        </p:spPr>
-        <p:txBody>
-          <a:bodyPr spcFirstLastPara="1" wrap="square" lIns="19050" tIns="19050" rIns="19050" bIns="19050" anchor="b" anchorCtr="0">
-            <a:noAutofit/>
-          </a:bodyPr>
-          <a:lstStyle>
-            <a:lvl1pPr lvl="0" algn="ctr" rtl="0">
-              <a:lnSpc>
-                <a:spcPct val="100000"/>
-              </a:lnSpc>
-              <a:spcBef>
-                <a:spcPts val="0"/>
-              </a:spcBef>
-              <a:spcAft>
-                <a:spcPts val="0"/>
-              </a:spcAft>
-              <a:buClr>
-                <a:srgbClr val="000000"/>
-              </a:buClr>
-              <a:buSzPts val="700"/>
-              <a:buNone/>
-              <a:defRPr/>
-            </a:lvl1pPr>
-            <a:lvl2pPr lvl="1" algn="ctr" rtl="0">
-              <a:lnSpc>
-                <a:spcPct val="100000"/>
-              </a:lnSpc>
-              <a:spcBef>
-                <a:spcPts val="0"/>
-              </a:spcBef>
-              <a:spcAft>
-                <a:spcPts val="0"/>
-              </a:spcAft>
-              <a:buClr>
-                <a:srgbClr val="000000"/>
-              </a:buClr>
-              <a:buSzPts val="700"/>
-              <a:buNone/>
-              <a:defRPr/>
-            </a:lvl2pPr>
-            <a:lvl3pPr lvl="2" algn="ctr" rtl="0">
-              <a:lnSpc>
-                <a:spcPct val="100000"/>
-              </a:lnSpc>
-              <a:spcBef>
-                <a:spcPts val="0"/>
-              </a:spcBef>
-              <a:spcAft>
-                <a:spcPts val="0"/>
-              </a:spcAft>
-              <a:buClr>
-                <a:srgbClr val="000000"/>
-              </a:buClr>
-              <a:buSzPts val="700"/>
-              <a:buNone/>
-              <a:defRPr/>
-            </a:lvl3pPr>
-            <a:lvl4pPr lvl="3" algn="ctr" rtl="0">
-              <a:lnSpc>
-                <a:spcPct val="100000"/>
-              </a:lnSpc>
-              <a:spcBef>
-                <a:spcPts val="0"/>
-              </a:spcBef>
-              <a:spcAft>
-                <a:spcPts val="0"/>
-              </a:spcAft>
-              <a:buClr>
-                <a:srgbClr val="000000"/>
-              </a:buClr>
-              <a:buSzPts val="700"/>
-              <a:buNone/>
-              <a:defRPr/>
-            </a:lvl4pPr>
-            <a:lvl5pPr lvl="4" algn="ctr" rtl="0">
-              <a:lnSpc>
-                <a:spcPct val="100000"/>
-              </a:lnSpc>
-              <a:spcBef>
-                <a:spcPts val="0"/>
-              </a:spcBef>
-              <a:spcAft>
-                <a:spcPts val="0"/>
-              </a:spcAft>
-              <a:buClr>
-                <a:srgbClr val="000000"/>
-              </a:buClr>
-              <a:buSzPts val="700"/>
-              <a:buNone/>
-              <a:defRPr/>
-            </a:lvl5pPr>
-            <a:lvl6pPr lvl="5" algn="ctr" rtl="0">
-              <a:lnSpc>
-                <a:spcPct val="100000"/>
-              </a:lnSpc>
-              <a:spcBef>
-                <a:spcPts val="0"/>
-              </a:spcBef>
-              <a:spcAft>
-                <a:spcPts val="0"/>
-              </a:spcAft>
-              <a:buClr>
-                <a:srgbClr val="000000"/>
-              </a:buClr>
-              <a:buSzPts val="700"/>
-              <a:buNone/>
-              <a:defRPr/>
-            </a:lvl6pPr>
-            <a:lvl7pPr lvl="6" algn="ctr" rtl="0">
-              <a:lnSpc>
-                <a:spcPct val="100000"/>
-              </a:lnSpc>
-              <a:spcBef>
-                <a:spcPts val="0"/>
-              </a:spcBef>
-              <a:spcAft>
-                <a:spcPts val="0"/>
-              </a:spcAft>
-              <a:buClr>
-                <a:srgbClr val="000000"/>
-              </a:buClr>
-              <a:buSzPts val="700"/>
-              <a:buNone/>
-              <a:defRPr/>
-            </a:lvl7pPr>
-            <a:lvl8pPr lvl="7" algn="ctr" rtl="0">
-              <a:lnSpc>
-                <a:spcPct val="100000"/>
-              </a:lnSpc>
-              <a:spcBef>
-                <a:spcPts val="0"/>
-              </a:spcBef>
-              <a:spcAft>
-                <a:spcPts val="0"/>
-              </a:spcAft>
-              <a:buClr>
-                <a:srgbClr val="000000"/>
-              </a:buClr>
-              <a:buSzPts val="700"/>
-              <a:buNone/>
-              <a:defRPr/>
-            </a:lvl8pPr>
-            <a:lvl9pPr lvl="8" algn="ctr" rtl="0">
-              <a:lnSpc>
-                <a:spcPct val="100000"/>
-              </a:lnSpc>
-              <a:spcBef>
-                <a:spcPts val="0"/>
-              </a:spcBef>
-              <a:spcAft>
-                <a:spcPts val="0"/>
-              </a:spcAft>
-              <a:buClr>
-                <a:srgbClr val="000000"/>
-              </a:buClr>
-              <a:buSzPts val="700"/>
-              <a:buNone/>
-              <a:defRPr/>
-            </a:lvl9pPr>
-          </a:lstStyle>
-          <a:p>
-            <a:endParaRPr/>
-          </a:p>
-        </p:txBody>
-      </p:sp>
-      <p:sp>
-        <p:nvSpPr>
-          <p:cNvPr id="61" name="Google Shape;61;p15"/>
-          <p:cNvSpPr txBox="1">
-            <a:spLocks noGrp="1"/>
-          </p:cNvSpPr>
-          <p:nvPr>
-            <p:ph type="body" idx="1"/>
-          </p:nvPr>
-        </p:nvSpPr>
-        <p:spPr>
-          <a:xfrm>
-            <a:off x="238125" y="4291013"/>
-            <a:ext cx="8667600" cy="595200"/>
-          </a:xfrm>
-          <a:prstGeom prst="rect">
-            <a:avLst/>
-          </a:prstGeom>
-          <a:noFill/>
-          <a:ln>
-            <a:noFill/>
-          </a:ln>
-        </p:spPr>
-        <p:txBody>
-          <a:bodyPr spcFirstLastPara="1" wrap="square" lIns="19050" tIns="19050" rIns="19050" bIns="19050" anchor="t" anchorCtr="0">
-            <a:noAutofit/>
-          </a:bodyPr>
-          <a:lstStyle>
-            <a:lvl1pPr marL="457200" lvl="0" indent="-228600" algn="ctr" rtl="0">
-              <a:lnSpc>
-                <a:spcPct val="100000"/>
-              </a:lnSpc>
-              <a:spcBef>
-                <a:spcPts val="0"/>
-              </a:spcBef>
-              <a:spcAft>
-                <a:spcPts val="0"/>
-              </a:spcAft>
-              <a:buClr>
-                <a:srgbClr val="000000"/>
-              </a:buClr>
-              <a:buSzPts val="2000"/>
-              <a:buFont typeface="Helvetica Neue"/>
-              <a:buNone/>
-              <a:defRPr sz="2000"/>
-            </a:lvl1pPr>
-            <a:lvl2pPr marL="914400" lvl="1" indent="-228600" algn="ctr" rtl="0">
-              <a:lnSpc>
-                <a:spcPct val="100000"/>
-              </a:lnSpc>
-              <a:spcBef>
-                <a:spcPts val="0"/>
-              </a:spcBef>
-              <a:spcAft>
-                <a:spcPts val="0"/>
-              </a:spcAft>
-              <a:buClr>
-                <a:srgbClr val="000000"/>
-              </a:buClr>
-              <a:buSzPts val="2000"/>
-              <a:buFont typeface="Helvetica Neue"/>
-              <a:buNone/>
-              <a:defRPr sz="2000"/>
-            </a:lvl2pPr>
-            <a:lvl3pPr marL="1371600" lvl="2" indent="-228600" algn="ctr" rtl="0">
-              <a:lnSpc>
-                <a:spcPct val="100000"/>
-              </a:lnSpc>
-              <a:spcBef>
-                <a:spcPts val="0"/>
-              </a:spcBef>
-              <a:spcAft>
-                <a:spcPts val="0"/>
-              </a:spcAft>
-              <a:buClr>
-                <a:srgbClr val="000000"/>
-              </a:buClr>
-              <a:buSzPts val="2000"/>
-              <a:buFont typeface="Helvetica Neue"/>
-              <a:buNone/>
-              <a:defRPr sz="2000"/>
-            </a:lvl3pPr>
-            <a:lvl4pPr marL="1828800" lvl="3" indent="-228600" algn="ctr" rtl="0">
-              <a:lnSpc>
-                <a:spcPct val="100000"/>
-              </a:lnSpc>
-              <a:spcBef>
-                <a:spcPts val="0"/>
-              </a:spcBef>
-              <a:spcAft>
-                <a:spcPts val="0"/>
-              </a:spcAft>
-              <a:buClr>
-                <a:srgbClr val="000000"/>
-              </a:buClr>
-              <a:buSzPts val="2000"/>
-              <a:buFont typeface="Helvetica Neue"/>
-              <a:buNone/>
-              <a:defRPr sz="2000"/>
-            </a:lvl4pPr>
-            <a:lvl5pPr marL="2286000" lvl="4" indent="-228600" algn="ctr" rtl="0">
-              <a:lnSpc>
-                <a:spcPct val="100000"/>
-              </a:lnSpc>
-              <a:spcBef>
-                <a:spcPts val="0"/>
-              </a:spcBef>
-              <a:spcAft>
-                <a:spcPts val="0"/>
-              </a:spcAft>
-              <a:buClr>
-                <a:srgbClr val="000000"/>
-              </a:buClr>
-              <a:buSzPts val="2000"/>
-              <a:buFont typeface="Helvetica Neue"/>
-              <a:buNone/>
-              <a:defRPr sz="2000"/>
-            </a:lvl5pPr>
-            <a:lvl6pPr marL="2743200" lvl="5" indent="-279400" algn="l" rtl="0">
-              <a:lnSpc>
-                <a:spcPct val="100000"/>
-              </a:lnSpc>
-              <a:spcBef>
-                <a:spcPts val="2200"/>
-              </a:spcBef>
-              <a:spcAft>
-                <a:spcPts val="0"/>
-              </a:spcAft>
-              <a:buClr>
-                <a:srgbClr val="000000"/>
-              </a:buClr>
-              <a:buSzPts val="800"/>
-              <a:buChar char="•"/>
-              <a:defRPr/>
-            </a:lvl6pPr>
-            <a:lvl7pPr marL="3200400" lvl="6" indent="-279400" algn="l" rtl="0">
-              <a:lnSpc>
-                <a:spcPct val="100000"/>
-              </a:lnSpc>
-              <a:spcBef>
-                <a:spcPts val="2200"/>
-              </a:spcBef>
-              <a:spcAft>
-                <a:spcPts val="0"/>
-              </a:spcAft>
-              <a:buClr>
-                <a:srgbClr val="000000"/>
-              </a:buClr>
-              <a:buSzPts val="800"/>
-              <a:buChar char="•"/>
-              <a:defRPr/>
-            </a:lvl7pPr>
-            <a:lvl8pPr marL="3657600" lvl="7" indent="-279400" algn="l" rtl="0">
-              <a:lnSpc>
-                <a:spcPct val="100000"/>
-              </a:lnSpc>
-              <a:spcBef>
-                <a:spcPts val="2200"/>
-              </a:spcBef>
-              <a:spcAft>
-                <a:spcPts val="0"/>
-              </a:spcAft>
-              <a:buClr>
-                <a:srgbClr val="000000"/>
-              </a:buClr>
-              <a:buSzPts val="800"/>
-              <a:buChar char="•"/>
-              <a:defRPr/>
-            </a:lvl8pPr>
-            <a:lvl9pPr marL="4114800" lvl="8" indent="-279400" algn="l" rtl="0">
-              <a:lnSpc>
-                <a:spcPct val="100000"/>
-              </a:lnSpc>
-              <a:spcBef>
-                <a:spcPts val="2200"/>
-              </a:spcBef>
-              <a:spcAft>
-                <a:spcPts val="0"/>
-              </a:spcAft>
-              <a:buClr>
-                <a:srgbClr val="000000"/>
-              </a:buClr>
-              <a:buSzPts val="800"/>
-              <a:buChar char="•"/>
-              <a:defRPr/>
-            </a:lvl9pPr>
-          </a:lstStyle>
-          <a:p>
-            <a:endParaRPr/>
-          </a:p>
-        </p:txBody>
-      </p:sp>
-      <p:sp>
-        <p:nvSpPr>
-          <p:cNvPr id="62" name="Google Shape;62;p15"/>
-          <p:cNvSpPr txBox="1">
-            <a:spLocks noGrp="1"/>
-          </p:cNvSpPr>
-          <p:nvPr>
-            <p:ph type="sldNum" idx="12"/>
-          </p:nvPr>
-        </p:nvSpPr>
-        <p:spPr>
-          <a:xfrm>
-            <a:off x="4484637" y="4905375"/>
-            <a:ext cx="170100" cy="172800"/>
-          </a:xfrm>
-          <a:prstGeom prst="rect">
-            <a:avLst/>
-          </a:prstGeom>
-          <a:noFill/>
-          <a:ln>
-            <a:noFill/>
-          </a:ln>
-        </p:spPr>
-        <p:txBody>
-          <a:bodyPr spcFirstLastPara="1" wrap="square" lIns="19050" tIns="19050" rIns="19050" bIns="19050" anchor="t" anchorCtr="0">
-            <a:noAutofit/>
-          </a:bodyPr>
-          <a:lstStyle>
-            <a:lvl1pPr marL="0" lvl="0" indent="0" algn="ctr" rtl="0">
-              <a:lnSpc>
-                <a:spcPct val="100000"/>
-              </a:lnSpc>
-              <a:spcBef>
-                <a:spcPts val="0"/>
-              </a:spcBef>
-              <a:spcAft>
-                <a:spcPts val="0"/>
-              </a:spcAft>
-              <a:buClr>
-                <a:srgbClr val="000000"/>
-              </a:buClr>
-              <a:buSzPts val="900"/>
-              <a:buFont typeface="Helvetica Neue Light"/>
-              <a:buNone/>
-              <a:defRPr sz="900" b="0">
-                <a:latin typeface="Helvetica Neue Light"/>
-                <a:ea typeface="Helvetica Neue Light"/>
-                <a:cs typeface="Helvetica Neue Light"/>
-                <a:sym typeface="Helvetica Neue Light"/>
-              </a:defRPr>
-            </a:lvl1pPr>
-            <a:lvl2pPr marL="0" lvl="1" indent="0" algn="ctr" rtl="0">
-              <a:lnSpc>
-                <a:spcPct val="100000"/>
-              </a:lnSpc>
-              <a:spcBef>
-                <a:spcPts val="0"/>
-              </a:spcBef>
-              <a:spcAft>
-                <a:spcPts val="0"/>
-              </a:spcAft>
-              <a:buClr>
-                <a:srgbClr val="000000"/>
-              </a:buClr>
-              <a:buSzPts val="900"/>
-              <a:buFont typeface="Helvetica Neue Light"/>
-              <a:buNone/>
-              <a:defRPr sz="900" b="0">
-                <a:latin typeface="Helvetica Neue Light"/>
-                <a:ea typeface="Helvetica Neue Light"/>
-                <a:cs typeface="Helvetica Neue Light"/>
-                <a:sym typeface="Helvetica Neue Light"/>
-              </a:defRPr>
-            </a:lvl2pPr>
-            <a:lvl3pPr marL="0" lvl="2" indent="0" algn="ctr" rtl="0">
-              <a:lnSpc>
-                <a:spcPct val="100000"/>
-              </a:lnSpc>
-              <a:spcBef>
-                <a:spcPts val="0"/>
-              </a:spcBef>
-              <a:spcAft>
-                <a:spcPts val="0"/>
-              </a:spcAft>
-              <a:buClr>
-                <a:srgbClr val="000000"/>
-              </a:buClr>
-              <a:buSzPts val="900"/>
-              <a:buFont typeface="Helvetica Neue Light"/>
-              <a:buNone/>
-              <a:defRPr sz="900" b="0">
-                <a:latin typeface="Helvetica Neue Light"/>
-                <a:ea typeface="Helvetica Neue Light"/>
-                <a:cs typeface="Helvetica Neue Light"/>
-                <a:sym typeface="Helvetica Neue Light"/>
-              </a:defRPr>
-            </a:lvl3pPr>
-            <a:lvl4pPr marL="0" lvl="3" indent="0" algn="ctr" rtl="0">
-              <a:lnSpc>
-                <a:spcPct val="100000"/>
-              </a:lnSpc>
-              <a:spcBef>
-                <a:spcPts val="0"/>
-              </a:spcBef>
-              <a:spcAft>
-                <a:spcPts val="0"/>
-              </a:spcAft>
-              <a:buClr>
-                <a:srgbClr val="000000"/>
-              </a:buClr>
-              <a:buSzPts val="900"/>
-              <a:buFont typeface="Helvetica Neue Light"/>
-              <a:buNone/>
-              <a:defRPr sz="900" b="0">
-                <a:latin typeface="Helvetica Neue Light"/>
-                <a:ea typeface="Helvetica Neue Light"/>
-                <a:cs typeface="Helvetica Neue Light"/>
-                <a:sym typeface="Helvetica Neue Light"/>
-              </a:defRPr>
-            </a:lvl4pPr>
-            <a:lvl5pPr marL="0" lvl="4" indent="0" algn="ctr" rtl="0">
-              <a:lnSpc>
-                <a:spcPct val="100000"/>
-              </a:lnSpc>
-              <a:spcBef>
-                <a:spcPts val="0"/>
-              </a:spcBef>
-              <a:spcAft>
-                <a:spcPts val="0"/>
-              </a:spcAft>
-              <a:buClr>
-                <a:srgbClr val="000000"/>
-              </a:buClr>
-              <a:buSzPts val="900"/>
-              <a:buFont typeface="Helvetica Neue Light"/>
-              <a:buNone/>
-              <a:defRPr sz="900" b="0">
-                <a:latin typeface="Helvetica Neue Light"/>
-                <a:ea typeface="Helvetica Neue Light"/>
-                <a:cs typeface="Helvetica Neue Light"/>
-                <a:sym typeface="Helvetica Neue Light"/>
-              </a:defRPr>
-            </a:lvl5pPr>
-            <a:lvl6pPr marL="0" lvl="5" indent="0" algn="ctr" rtl="0">
-              <a:lnSpc>
-                <a:spcPct val="100000"/>
-              </a:lnSpc>
-              <a:spcBef>
-                <a:spcPts val="0"/>
-              </a:spcBef>
-              <a:spcAft>
-                <a:spcPts val="0"/>
-              </a:spcAft>
-              <a:buClr>
-                <a:srgbClr val="000000"/>
-              </a:buClr>
-              <a:buSzPts val="900"/>
-              <a:buFont typeface="Helvetica Neue Light"/>
-              <a:buNone/>
-              <a:defRPr sz="900" b="0">
-                <a:latin typeface="Helvetica Neue Light"/>
-                <a:ea typeface="Helvetica Neue Light"/>
-                <a:cs typeface="Helvetica Neue Light"/>
-                <a:sym typeface="Helvetica Neue Light"/>
-              </a:defRPr>
-            </a:lvl6pPr>
-            <a:lvl7pPr marL="0" lvl="6" indent="0" algn="ctr" rtl="0">
-              <a:lnSpc>
-                <a:spcPct val="100000"/>
-              </a:lnSpc>
-              <a:spcBef>
-                <a:spcPts val="0"/>
-              </a:spcBef>
-              <a:spcAft>
-                <a:spcPts val="0"/>
-              </a:spcAft>
-              <a:buClr>
-                <a:srgbClr val="000000"/>
-              </a:buClr>
-              <a:buSzPts val="900"/>
-              <a:buFont typeface="Helvetica Neue Light"/>
-              <a:buNone/>
-              <a:defRPr sz="900" b="0">
-                <a:latin typeface="Helvetica Neue Light"/>
-                <a:ea typeface="Helvetica Neue Light"/>
-                <a:cs typeface="Helvetica Neue Light"/>
-                <a:sym typeface="Helvetica Neue Light"/>
-              </a:defRPr>
-            </a:lvl7pPr>
-            <a:lvl8pPr marL="0" lvl="7" indent="0" algn="ctr" rtl="0">
-              <a:lnSpc>
-                <a:spcPct val="100000"/>
-              </a:lnSpc>
-              <a:spcBef>
-                <a:spcPts val="0"/>
-              </a:spcBef>
-              <a:spcAft>
-                <a:spcPts val="0"/>
-              </a:spcAft>
-              <a:buClr>
-                <a:srgbClr val="000000"/>
-              </a:buClr>
-              <a:buSzPts val="900"/>
-              <a:buFont typeface="Helvetica Neue Light"/>
-              <a:buNone/>
-              <a:defRPr sz="900" b="0">
-                <a:latin typeface="Helvetica Neue Light"/>
-                <a:ea typeface="Helvetica Neue Light"/>
-                <a:cs typeface="Helvetica Neue Light"/>
-                <a:sym typeface="Helvetica Neue Light"/>
-              </a:defRPr>
-            </a:lvl8pPr>
-            <a:lvl9pPr marL="0" lvl="8" indent="0" algn="ctr" rtl="0">
-              <a:lnSpc>
-                <a:spcPct val="100000"/>
-              </a:lnSpc>
-              <a:spcBef>
-                <a:spcPts val="0"/>
-              </a:spcBef>
-              <a:spcAft>
-                <a:spcPts val="0"/>
-              </a:spcAft>
-              <a:buClr>
-                <a:srgbClr val="000000"/>
-              </a:buClr>
-              <a:buSzPts val="900"/>
-              <a:buFont typeface="Helvetica Neue Light"/>
-              <a:buNone/>
-              <a:defRPr sz="900" b="0">
-                <a:latin typeface="Helvetica Neue Light"/>
-                <a:ea typeface="Helvetica Neue Light"/>
-                <a:cs typeface="Helvetica Neue Light"/>
-                <a:sym typeface="Helvetica Neue Light"/>
-              </a:defRPr>
-            </a:lvl9pPr>
-          </a:lstStyle>
-          <a:p>
-            <a:pPr marL="0" lvl="0" indent="0" algn="ctr" rtl="0">
-              <a:spcBef>
-                <a:spcPts val="0"/>
-              </a:spcBef>
-              <a:spcAft>
-                <a:spcPts val="0"/>
-              </a:spcAft>
-              <a:buNone/>
-            </a:pPr>
-            <a:fld id="{00000000-1234-1234-1234-123412341234}" type="slidenum">
-              <a:rPr lang="en"/>
-              <a:t>‹#›</a:t>
-            </a:fld>
-            <a:endParaRPr/>
-          </a:p>
-        </p:txBody>
-      </p:sp>
-    </p:spTree>
-  </p:cSld>
-  <p:clrMapOvr>
-    <a:masterClrMapping/>
-  </p:clrMapOvr>
-</p:sldLayout>
-</file>
-
-<file path=ppt/slideLayouts/slideLayout14.xml><?xml version="1.0" encoding="utf-8"?>
 <p:sldLayout xmlns:a="http://schemas.openxmlformats.org/drawingml/2006/main" xmlns:r="http://schemas.openxmlformats.org/officeDocument/2006/relationships" xmlns:p="http://schemas.openxmlformats.org/presentationml/2006/main" matchingName="标题 - 居中">
   <p:cSld name="标题 - 居中">
     <p:spTree>
@@ -4262,7 +3446,7 @@
 </p:sldLayout>
 </file>
 
-<file path=ppt/slideLayouts/slideLayout15.xml><?xml version="1.0" encoding="utf-8"?>
+<file path=ppt/slideLayouts/slideLayout14.xml><?xml version="1.0" encoding="utf-8"?>
 <p:sldLayout xmlns:a="http://schemas.openxmlformats.org/drawingml/2006/main" xmlns:r="http://schemas.openxmlformats.org/officeDocument/2006/relationships" xmlns:p="http://schemas.openxmlformats.org/presentationml/2006/main" matchingName="照片 - 垂直">
   <p:cSld name="照片 - 垂直">
     <p:spTree>
@@ -5189,7 +4373,7 @@
 </p:sldLayout>
 </file>
 
-<file path=ppt/slideLayouts/slideLayout16.xml><?xml version="1.0" encoding="utf-8"?>
+<file path=ppt/slideLayouts/slideLayout15.xml><?xml version="1.0" encoding="utf-8"?>
 <p:sldLayout xmlns:a="http://schemas.openxmlformats.org/drawingml/2006/main" xmlns:r="http://schemas.openxmlformats.org/officeDocument/2006/relationships" xmlns:p="http://schemas.openxmlformats.org/presentationml/2006/main" matchingName="标题 - 顶部对齐">
   <p:cSld name="标题 - 顶部对齐">
     <p:spTree>
@@ -5655,7 +4839,7 @@
 </p:sldLayout>
 </file>
 
-<file path=ppt/slideLayouts/slideLayout17.xml><?xml version="1.0" encoding="utf-8"?>
+<file path=ppt/slideLayouts/slideLayout16.xml><?xml version="1.0" encoding="utf-8"?>
 <p:sldLayout xmlns:a="http://schemas.openxmlformats.org/drawingml/2006/main" xmlns:r="http://schemas.openxmlformats.org/officeDocument/2006/relationships" xmlns:p="http://schemas.openxmlformats.org/presentationml/2006/main" matchingName="标题与项目符号">
   <p:cSld name="标题与项目符号">
     <p:spTree>
@@ -6313,7 +5497,7 @@
 </p:sldLayout>
 </file>
 
-<file path=ppt/slideLayouts/slideLayout18.xml><?xml version="1.0" encoding="utf-8"?>
+<file path=ppt/slideLayouts/slideLayout17.xml><?xml version="1.0" encoding="utf-8"?>
 <p:sldLayout xmlns:a="http://schemas.openxmlformats.org/drawingml/2006/main" xmlns:r="http://schemas.openxmlformats.org/officeDocument/2006/relationships" xmlns:p="http://schemas.openxmlformats.org/presentationml/2006/main" matchingName="标题、项目符号与照片">
   <p:cSld name="标题、项目符号与照片">
     <p:spTree>
@@ -7239,7 +6423,7 @@
 </p:sldLayout>
 </file>
 
-<file path=ppt/slideLayouts/slideLayout19.xml><?xml version="1.0" encoding="utf-8"?>
+<file path=ppt/slideLayouts/slideLayout18.xml><?xml version="1.0" encoding="utf-8"?>
 <p:sldLayout xmlns:a="http://schemas.openxmlformats.org/drawingml/2006/main" xmlns:r="http://schemas.openxmlformats.org/officeDocument/2006/relationships" xmlns:p="http://schemas.openxmlformats.org/presentationml/2006/main" matchingName="项目符号">
   <p:cSld name="项目符号">
     <p:spTree>
@@ -7451,6 +6635,1089 @@
       <p:sp>
         <p:nvSpPr>
           <p:cNvPr id="85" name="Google Shape;85;p21"/>
+          <p:cNvSpPr txBox="1">
+            <a:spLocks noGrp="1"/>
+          </p:cNvSpPr>
+          <p:nvPr>
+            <p:ph type="sldNum" idx="12"/>
+          </p:nvPr>
+        </p:nvSpPr>
+        <p:spPr>
+          <a:xfrm>
+            <a:off x="4484637" y="4905375"/>
+            <a:ext cx="170100" cy="172800"/>
+          </a:xfrm>
+          <a:prstGeom prst="rect">
+            <a:avLst/>
+          </a:prstGeom>
+          <a:noFill/>
+          <a:ln>
+            <a:noFill/>
+          </a:ln>
+        </p:spPr>
+        <p:txBody>
+          <a:bodyPr spcFirstLastPara="1" wrap="square" lIns="19050" tIns="19050" rIns="19050" bIns="19050" anchor="t" anchorCtr="0">
+            <a:noAutofit/>
+          </a:bodyPr>
+          <a:lstStyle>
+            <a:lvl1pPr marL="0" lvl="0" indent="0" algn="ctr" rtl="0">
+              <a:lnSpc>
+                <a:spcPct val="100000"/>
+              </a:lnSpc>
+              <a:spcBef>
+                <a:spcPts val="0"/>
+              </a:spcBef>
+              <a:spcAft>
+                <a:spcPts val="0"/>
+              </a:spcAft>
+              <a:buClr>
+                <a:srgbClr val="000000"/>
+              </a:buClr>
+              <a:buSzPts val="900"/>
+              <a:buFont typeface="Helvetica Neue Light"/>
+              <a:buNone/>
+              <a:defRPr sz="900" b="0">
+                <a:latin typeface="Helvetica Neue Light"/>
+                <a:ea typeface="Helvetica Neue Light"/>
+                <a:cs typeface="Helvetica Neue Light"/>
+                <a:sym typeface="Helvetica Neue Light"/>
+              </a:defRPr>
+            </a:lvl1pPr>
+            <a:lvl2pPr marL="0" lvl="1" indent="0" algn="ctr" rtl="0">
+              <a:lnSpc>
+                <a:spcPct val="100000"/>
+              </a:lnSpc>
+              <a:spcBef>
+                <a:spcPts val="0"/>
+              </a:spcBef>
+              <a:spcAft>
+                <a:spcPts val="0"/>
+              </a:spcAft>
+              <a:buClr>
+                <a:srgbClr val="000000"/>
+              </a:buClr>
+              <a:buSzPts val="900"/>
+              <a:buFont typeface="Helvetica Neue Light"/>
+              <a:buNone/>
+              <a:defRPr sz="900" b="0">
+                <a:latin typeface="Helvetica Neue Light"/>
+                <a:ea typeface="Helvetica Neue Light"/>
+                <a:cs typeface="Helvetica Neue Light"/>
+                <a:sym typeface="Helvetica Neue Light"/>
+              </a:defRPr>
+            </a:lvl2pPr>
+            <a:lvl3pPr marL="0" lvl="2" indent="0" algn="ctr" rtl="0">
+              <a:lnSpc>
+                <a:spcPct val="100000"/>
+              </a:lnSpc>
+              <a:spcBef>
+                <a:spcPts val="0"/>
+              </a:spcBef>
+              <a:spcAft>
+                <a:spcPts val="0"/>
+              </a:spcAft>
+              <a:buClr>
+                <a:srgbClr val="000000"/>
+              </a:buClr>
+              <a:buSzPts val="900"/>
+              <a:buFont typeface="Helvetica Neue Light"/>
+              <a:buNone/>
+              <a:defRPr sz="900" b="0">
+                <a:latin typeface="Helvetica Neue Light"/>
+                <a:ea typeface="Helvetica Neue Light"/>
+                <a:cs typeface="Helvetica Neue Light"/>
+                <a:sym typeface="Helvetica Neue Light"/>
+              </a:defRPr>
+            </a:lvl3pPr>
+            <a:lvl4pPr marL="0" lvl="3" indent="0" algn="ctr" rtl="0">
+              <a:lnSpc>
+                <a:spcPct val="100000"/>
+              </a:lnSpc>
+              <a:spcBef>
+                <a:spcPts val="0"/>
+              </a:spcBef>
+              <a:spcAft>
+                <a:spcPts val="0"/>
+              </a:spcAft>
+              <a:buClr>
+                <a:srgbClr val="000000"/>
+              </a:buClr>
+              <a:buSzPts val="900"/>
+              <a:buFont typeface="Helvetica Neue Light"/>
+              <a:buNone/>
+              <a:defRPr sz="900" b="0">
+                <a:latin typeface="Helvetica Neue Light"/>
+                <a:ea typeface="Helvetica Neue Light"/>
+                <a:cs typeface="Helvetica Neue Light"/>
+                <a:sym typeface="Helvetica Neue Light"/>
+              </a:defRPr>
+            </a:lvl4pPr>
+            <a:lvl5pPr marL="0" lvl="4" indent="0" algn="ctr" rtl="0">
+              <a:lnSpc>
+                <a:spcPct val="100000"/>
+              </a:lnSpc>
+              <a:spcBef>
+                <a:spcPts val="0"/>
+              </a:spcBef>
+              <a:spcAft>
+                <a:spcPts val="0"/>
+              </a:spcAft>
+              <a:buClr>
+                <a:srgbClr val="000000"/>
+              </a:buClr>
+              <a:buSzPts val="900"/>
+              <a:buFont typeface="Helvetica Neue Light"/>
+              <a:buNone/>
+              <a:defRPr sz="900" b="0">
+                <a:latin typeface="Helvetica Neue Light"/>
+                <a:ea typeface="Helvetica Neue Light"/>
+                <a:cs typeface="Helvetica Neue Light"/>
+                <a:sym typeface="Helvetica Neue Light"/>
+              </a:defRPr>
+            </a:lvl5pPr>
+            <a:lvl6pPr marL="0" lvl="5" indent="0" algn="ctr" rtl="0">
+              <a:lnSpc>
+                <a:spcPct val="100000"/>
+              </a:lnSpc>
+              <a:spcBef>
+                <a:spcPts val="0"/>
+              </a:spcBef>
+              <a:spcAft>
+                <a:spcPts val="0"/>
+              </a:spcAft>
+              <a:buClr>
+                <a:srgbClr val="000000"/>
+              </a:buClr>
+              <a:buSzPts val="900"/>
+              <a:buFont typeface="Helvetica Neue Light"/>
+              <a:buNone/>
+              <a:defRPr sz="900" b="0">
+                <a:latin typeface="Helvetica Neue Light"/>
+                <a:ea typeface="Helvetica Neue Light"/>
+                <a:cs typeface="Helvetica Neue Light"/>
+                <a:sym typeface="Helvetica Neue Light"/>
+              </a:defRPr>
+            </a:lvl6pPr>
+            <a:lvl7pPr marL="0" lvl="6" indent="0" algn="ctr" rtl="0">
+              <a:lnSpc>
+                <a:spcPct val="100000"/>
+              </a:lnSpc>
+              <a:spcBef>
+                <a:spcPts val="0"/>
+              </a:spcBef>
+              <a:spcAft>
+                <a:spcPts val="0"/>
+              </a:spcAft>
+              <a:buClr>
+                <a:srgbClr val="000000"/>
+              </a:buClr>
+              <a:buSzPts val="900"/>
+              <a:buFont typeface="Helvetica Neue Light"/>
+              <a:buNone/>
+              <a:defRPr sz="900" b="0">
+                <a:latin typeface="Helvetica Neue Light"/>
+                <a:ea typeface="Helvetica Neue Light"/>
+                <a:cs typeface="Helvetica Neue Light"/>
+                <a:sym typeface="Helvetica Neue Light"/>
+              </a:defRPr>
+            </a:lvl7pPr>
+            <a:lvl8pPr marL="0" lvl="7" indent="0" algn="ctr" rtl="0">
+              <a:lnSpc>
+                <a:spcPct val="100000"/>
+              </a:lnSpc>
+              <a:spcBef>
+                <a:spcPts val="0"/>
+              </a:spcBef>
+              <a:spcAft>
+                <a:spcPts val="0"/>
+              </a:spcAft>
+              <a:buClr>
+                <a:srgbClr val="000000"/>
+              </a:buClr>
+              <a:buSzPts val="900"/>
+              <a:buFont typeface="Helvetica Neue Light"/>
+              <a:buNone/>
+              <a:defRPr sz="900" b="0">
+                <a:latin typeface="Helvetica Neue Light"/>
+                <a:ea typeface="Helvetica Neue Light"/>
+                <a:cs typeface="Helvetica Neue Light"/>
+                <a:sym typeface="Helvetica Neue Light"/>
+              </a:defRPr>
+            </a:lvl8pPr>
+            <a:lvl9pPr marL="0" lvl="8" indent="0" algn="ctr" rtl="0">
+              <a:lnSpc>
+                <a:spcPct val="100000"/>
+              </a:lnSpc>
+              <a:spcBef>
+                <a:spcPts val="0"/>
+              </a:spcBef>
+              <a:spcAft>
+                <a:spcPts val="0"/>
+              </a:spcAft>
+              <a:buClr>
+                <a:srgbClr val="000000"/>
+              </a:buClr>
+              <a:buSzPts val="900"/>
+              <a:buFont typeface="Helvetica Neue Light"/>
+              <a:buNone/>
+              <a:defRPr sz="900" b="0">
+                <a:latin typeface="Helvetica Neue Light"/>
+                <a:ea typeface="Helvetica Neue Light"/>
+                <a:cs typeface="Helvetica Neue Light"/>
+                <a:sym typeface="Helvetica Neue Light"/>
+              </a:defRPr>
+            </a:lvl9pPr>
+          </a:lstStyle>
+          <a:p>
+            <a:pPr marL="0" lvl="0" indent="0" algn="ctr" rtl="0">
+              <a:spcBef>
+                <a:spcPts val="0"/>
+              </a:spcBef>
+              <a:spcAft>
+                <a:spcPts val="0"/>
+              </a:spcAft>
+              <a:buNone/>
+            </a:pPr>
+            <a:fld id="{00000000-1234-1234-1234-123412341234}" type="slidenum">
+              <a:rPr lang="en"/>
+              <a:t>‹#›</a:t>
+            </a:fld>
+            <a:endParaRPr/>
+          </a:p>
+        </p:txBody>
+      </p:sp>
+    </p:spTree>
+  </p:cSld>
+  <p:clrMapOvr>
+    <a:masterClrMapping/>
+  </p:clrMapOvr>
+</p:sldLayout>
+</file>
+
+<file path=ppt/slideLayouts/slideLayout19.xml><?xml version="1.0" encoding="utf-8"?>
+<p:sldLayout xmlns:a="http://schemas.openxmlformats.org/drawingml/2006/main" xmlns:r="http://schemas.openxmlformats.org/officeDocument/2006/relationships" xmlns:p="http://schemas.openxmlformats.org/presentationml/2006/main" matchingName="照片 - 3 联">
+  <p:cSld name="照片 - 3 联">
+    <p:spTree>
+      <p:nvGrpSpPr>
+        <p:cNvPr id="1" name="Shape 86"/>
+        <p:cNvGrpSpPr/>
+        <p:nvPr/>
+      </p:nvGrpSpPr>
+      <p:grpSpPr>
+        <a:xfrm>
+          <a:off x="0" y="0"/>
+          <a:ext cx="0" cy="0"/>
+          <a:chOff x="0" y="0"/>
+          <a:chExt cx="0" cy="0"/>
+        </a:xfrm>
+      </p:grpSpPr>
+      <p:sp>
+        <p:nvSpPr>
+          <p:cNvPr id="87" name="Google Shape;87;p22"/>
+          <p:cNvSpPr>
+            <a:spLocks noGrp="1"/>
+          </p:cNvSpPr>
+          <p:nvPr>
+            <p:ph type="pic" idx="2"/>
+          </p:nvPr>
+        </p:nvSpPr>
+        <p:spPr>
+          <a:xfrm>
+            <a:off x="5910263" y="2643188"/>
+            <a:ext cx="2776500" cy="2081100"/>
+          </a:xfrm>
+          <a:prstGeom prst="rect">
+            <a:avLst/>
+          </a:prstGeom>
+          <a:noFill/>
+          <a:ln>
+            <a:noFill/>
+          </a:ln>
+        </p:spPr>
+        <p:txBody>
+          <a:bodyPr spcFirstLastPara="1" wrap="square" lIns="34275" tIns="17150" rIns="34275" bIns="17150" anchor="t" anchorCtr="0">
+            <a:noAutofit/>
+          </a:bodyPr>
+          <a:lstStyle>
+            <a:lvl1pPr marR="0" lvl="0" algn="l" rtl="0">
+              <a:lnSpc>
+                <a:spcPct val="100000"/>
+              </a:lnSpc>
+              <a:spcBef>
+                <a:spcPts val="2200"/>
+              </a:spcBef>
+              <a:spcAft>
+                <a:spcPts val="0"/>
+              </a:spcAft>
+              <a:buClr>
+                <a:srgbClr val="000000"/>
+              </a:buClr>
+              <a:buSzPts val="2400"/>
+              <a:buFont typeface="Helvetica Neue"/>
+              <a:buChar char="•"/>
+              <a:defRPr sz="2000" b="0" i="0" u="none" strike="noStrike" cap="none">
+                <a:solidFill>
+                  <a:srgbClr val="000000"/>
+                </a:solidFill>
+                <a:latin typeface="Helvetica Neue"/>
+                <a:ea typeface="Helvetica Neue"/>
+                <a:cs typeface="Helvetica Neue"/>
+                <a:sym typeface="Helvetica Neue"/>
+              </a:defRPr>
+            </a:lvl1pPr>
+            <a:lvl2pPr marR="0" lvl="1" algn="l" rtl="0">
+              <a:lnSpc>
+                <a:spcPct val="100000"/>
+              </a:lnSpc>
+              <a:spcBef>
+                <a:spcPts val="2200"/>
+              </a:spcBef>
+              <a:spcAft>
+                <a:spcPts val="0"/>
+              </a:spcAft>
+              <a:buClr>
+                <a:srgbClr val="000000"/>
+              </a:buClr>
+              <a:buSzPts val="2400"/>
+              <a:buFont typeface="Helvetica Neue"/>
+              <a:buChar char="•"/>
+              <a:defRPr sz="2000" b="0" i="0" u="none" strike="noStrike" cap="none">
+                <a:solidFill>
+                  <a:srgbClr val="000000"/>
+                </a:solidFill>
+                <a:latin typeface="Helvetica Neue"/>
+                <a:ea typeface="Helvetica Neue"/>
+                <a:cs typeface="Helvetica Neue"/>
+                <a:sym typeface="Helvetica Neue"/>
+              </a:defRPr>
+            </a:lvl2pPr>
+            <a:lvl3pPr marR="0" lvl="2" algn="l" rtl="0">
+              <a:lnSpc>
+                <a:spcPct val="100000"/>
+              </a:lnSpc>
+              <a:spcBef>
+                <a:spcPts val="2200"/>
+              </a:spcBef>
+              <a:spcAft>
+                <a:spcPts val="0"/>
+              </a:spcAft>
+              <a:buClr>
+                <a:srgbClr val="000000"/>
+              </a:buClr>
+              <a:buSzPts val="2400"/>
+              <a:buFont typeface="Helvetica Neue"/>
+              <a:buChar char="•"/>
+              <a:defRPr sz="2000" b="0" i="0" u="none" strike="noStrike" cap="none">
+                <a:solidFill>
+                  <a:srgbClr val="000000"/>
+                </a:solidFill>
+                <a:latin typeface="Helvetica Neue"/>
+                <a:ea typeface="Helvetica Neue"/>
+                <a:cs typeface="Helvetica Neue"/>
+                <a:sym typeface="Helvetica Neue"/>
+              </a:defRPr>
+            </a:lvl3pPr>
+            <a:lvl4pPr marR="0" lvl="3" algn="l" rtl="0">
+              <a:lnSpc>
+                <a:spcPct val="100000"/>
+              </a:lnSpc>
+              <a:spcBef>
+                <a:spcPts val="2200"/>
+              </a:spcBef>
+              <a:spcAft>
+                <a:spcPts val="0"/>
+              </a:spcAft>
+              <a:buClr>
+                <a:srgbClr val="000000"/>
+              </a:buClr>
+              <a:buSzPts val="2400"/>
+              <a:buFont typeface="Helvetica Neue"/>
+              <a:buChar char="•"/>
+              <a:defRPr sz="2000" b="0" i="0" u="none" strike="noStrike" cap="none">
+                <a:solidFill>
+                  <a:srgbClr val="000000"/>
+                </a:solidFill>
+                <a:latin typeface="Helvetica Neue"/>
+                <a:ea typeface="Helvetica Neue"/>
+                <a:cs typeface="Helvetica Neue"/>
+                <a:sym typeface="Helvetica Neue"/>
+              </a:defRPr>
+            </a:lvl4pPr>
+            <a:lvl5pPr marR="0" lvl="4" algn="l" rtl="0">
+              <a:lnSpc>
+                <a:spcPct val="100000"/>
+              </a:lnSpc>
+              <a:spcBef>
+                <a:spcPts val="2200"/>
+              </a:spcBef>
+              <a:spcAft>
+                <a:spcPts val="0"/>
+              </a:spcAft>
+              <a:buClr>
+                <a:srgbClr val="000000"/>
+              </a:buClr>
+              <a:buSzPts val="2400"/>
+              <a:buFont typeface="Helvetica Neue"/>
+              <a:buChar char="•"/>
+              <a:defRPr sz="2000" b="0" i="0" u="none" strike="noStrike" cap="none">
+                <a:solidFill>
+                  <a:srgbClr val="000000"/>
+                </a:solidFill>
+                <a:latin typeface="Helvetica Neue"/>
+                <a:ea typeface="Helvetica Neue"/>
+                <a:cs typeface="Helvetica Neue"/>
+                <a:sym typeface="Helvetica Neue"/>
+              </a:defRPr>
+            </a:lvl5pPr>
+            <a:lvl6pPr marR="0" lvl="5" algn="l" rtl="0">
+              <a:lnSpc>
+                <a:spcPct val="100000"/>
+              </a:lnSpc>
+              <a:spcBef>
+                <a:spcPts val="2200"/>
+              </a:spcBef>
+              <a:spcAft>
+                <a:spcPts val="0"/>
+              </a:spcAft>
+              <a:buClr>
+                <a:srgbClr val="000000"/>
+              </a:buClr>
+              <a:buSzPts val="2400"/>
+              <a:buFont typeface="Helvetica Neue"/>
+              <a:buChar char="•"/>
+              <a:defRPr sz="2000" b="0" i="0" u="none" strike="noStrike" cap="none">
+                <a:solidFill>
+                  <a:srgbClr val="000000"/>
+                </a:solidFill>
+                <a:latin typeface="Helvetica Neue"/>
+                <a:ea typeface="Helvetica Neue"/>
+                <a:cs typeface="Helvetica Neue"/>
+                <a:sym typeface="Helvetica Neue"/>
+              </a:defRPr>
+            </a:lvl6pPr>
+            <a:lvl7pPr marR="0" lvl="6" algn="l" rtl="0">
+              <a:lnSpc>
+                <a:spcPct val="100000"/>
+              </a:lnSpc>
+              <a:spcBef>
+                <a:spcPts val="2200"/>
+              </a:spcBef>
+              <a:spcAft>
+                <a:spcPts val="0"/>
+              </a:spcAft>
+              <a:buClr>
+                <a:srgbClr val="000000"/>
+              </a:buClr>
+              <a:buSzPts val="2400"/>
+              <a:buFont typeface="Helvetica Neue"/>
+              <a:buChar char="•"/>
+              <a:defRPr sz="2000" b="0" i="0" u="none" strike="noStrike" cap="none">
+                <a:solidFill>
+                  <a:srgbClr val="000000"/>
+                </a:solidFill>
+                <a:latin typeface="Helvetica Neue"/>
+                <a:ea typeface="Helvetica Neue"/>
+                <a:cs typeface="Helvetica Neue"/>
+                <a:sym typeface="Helvetica Neue"/>
+              </a:defRPr>
+            </a:lvl7pPr>
+            <a:lvl8pPr marR="0" lvl="7" algn="l" rtl="0">
+              <a:lnSpc>
+                <a:spcPct val="100000"/>
+              </a:lnSpc>
+              <a:spcBef>
+                <a:spcPts val="2200"/>
+              </a:spcBef>
+              <a:spcAft>
+                <a:spcPts val="0"/>
+              </a:spcAft>
+              <a:buClr>
+                <a:srgbClr val="000000"/>
+              </a:buClr>
+              <a:buSzPts val="2400"/>
+              <a:buFont typeface="Helvetica Neue"/>
+              <a:buChar char="•"/>
+              <a:defRPr sz="2000" b="0" i="0" u="none" strike="noStrike" cap="none">
+                <a:solidFill>
+                  <a:srgbClr val="000000"/>
+                </a:solidFill>
+                <a:latin typeface="Helvetica Neue"/>
+                <a:ea typeface="Helvetica Neue"/>
+                <a:cs typeface="Helvetica Neue"/>
+                <a:sym typeface="Helvetica Neue"/>
+              </a:defRPr>
+            </a:lvl8pPr>
+            <a:lvl9pPr marR="0" lvl="8" algn="l" rtl="0">
+              <a:lnSpc>
+                <a:spcPct val="100000"/>
+              </a:lnSpc>
+              <a:spcBef>
+                <a:spcPts val="2200"/>
+              </a:spcBef>
+              <a:spcAft>
+                <a:spcPts val="0"/>
+              </a:spcAft>
+              <a:buClr>
+                <a:srgbClr val="000000"/>
+              </a:buClr>
+              <a:buSzPts val="2400"/>
+              <a:buFont typeface="Helvetica Neue"/>
+              <a:buChar char="•"/>
+              <a:defRPr sz="2000" b="0" i="0" u="none" strike="noStrike" cap="none">
+                <a:solidFill>
+                  <a:srgbClr val="000000"/>
+                </a:solidFill>
+                <a:latin typeface="Helvetica Neue"/>
+                <a:ea typeface="Helvetica Neue"/>
+                <a:cs typeface="Helvetica Neue"/>
+                <a:sym typeface="Helvetica Neue"/>
+              </a:defRPr>
+            </a:lvl9pPr>
+          </a:lstStyle>
+          <a:p>
+            <a:endParaRPr/>
+          </a:p>
+        </p:txBody>
+      </p:sp>
+      <p:sp>
+        <p:nvSpPr>
+          <p:cNvPr id="88" name="Google Shape;88;p22"/>
+          <p:cNvSpPr>
+            <a:spLocks noGrp="1"/>
+          </p:cNvSpPr>
+          <p:nvPr>
+            <p:ph type="pic" idx="3"/>
+          </p:nvPr>
+        </p:nvSpPr>
+        <p:spPr>
+          <a:xfrm>
+            <a:off x="5910263" y="423863"/>
+            <a:ext cx="2776500" cy="2081100"/>
+          </a:xfrm>
+          <a:prstGeom prst="rect">
+            <a:avLst/>
+          </a:prstGeom>
+          <a:noFill/>
+          <a:ln>
+            <a:noFill/>
+          </a:ln>
+        </p:spPr>
+        <p:txBody>
+          <a:bodyPr spcFirstLastPara="1" wrap="square" lIns="34275" tIns="17150" rIns="34275" bIns="17150" anchor="t" anchorCtr="0">
+            <a:noAutofit/>
+          </a:bodyPr>
+          <a:lstStyle>
+            <a:lvl1pPr marR="0" lvl="0" algn="l" rtl="0">
+              <a:lnSpc>
+                <a:spcPct val="100000"/>
+              </a:lnSpc>
+              <a:spcBef>
+                <a:spcPts val="2200"/>
+              </a:spcBef>
+              <a:spcAft>
+                <a:spcPts val="0"/>
+              </a:spcAft>
+              <a:buClr>
+                <a:srgbClr val="000000"/>
+              </a:buClr>
+              <a:buSzPts val="2400"/>
+              <a:buFont typeface="Helvetica Neue"/>
+              <a:buChar char="•"/>
+              <a:defRPr sz="2000" b="0" i="0" u="none" strike="noStrike" cap="none">
+                <a:solidFill>
+                  <a:srgbClr val="000000"/>
+                </a:solidFill>
+                <a:latin typeface="Helvetica Neue"/>
+                <a:ea typeface="Helvetica Neue"/>
+                <a:cs typeface="Helvetica Neue"/>
+                <a:sym typeface="Helvetica Neue"/>
+              </a:defRPr>
+            </a:lvl1pPr>
+            <a:lvl2pPr marR="0" lvl="1" algn="l" rtl="0">
+              <a:lnSpc>
+                <a:spcPct val="100000"/>
+              </a:lnSpc>
+              <a:spcBef>
+                <a:spcPts val="2200"/>
+              </a:spcBef>
+              <a:spcAft>
+                <a:spcPts val="0"/>
+              </a:spcAft>
+              <a:buClr>
+                <a:srgbClr val="000000"/>
+              </a:buClr>
+              <a:buSzPts val="2400"/>
+              <a:buFont typeface="Helvetica Neue"/>
+              <a:buChar char="•"/>
+              <a:defRPr sz="2000" b="0" i="0" u="none" strike="noStrike" cap="none">
+                <a:solidFill>
+                  <a:srgbClr val="000000"/>
+                </a:solidFill>
+                <a:latin typeface="Helvetica Neue"/>
+                <a:ea typeface="Helvetica Neue"/>
+                <a:cs typeface="Helvetica Neue"/>
+                <a:sym typeface="Helvetica Neue"/>
+              </a:defRPr>
+            </a:lvl2pPr>
+            <a:lvl3pPr marR="0" lvl="2" algn="l" rtl="0">
+              <a:lnSpc>
+                <a:spcPct val="100000"/>
+              </a:lnSpc>
+              <a:spcBef>
+                <a:spcPts val="2200"/>
+              </a:spcBef>
+              <a:spcAft>
+                <a:spcPts val="0"/>
+              </a:spcAft>
+              <a:buClr>
+                <a:srgbClr val="000000"/>
+              </a:buClr>
+              <a:buSzPts val="2400"/>
+              <a:buFont typeface="Helvetica Neue"/>
+              <a:buChar char="•"/>
+              <a:defRPr sz="2000" b="0" i="0" u="none" strike="noStrike" cap="none">
+                <a:solidFill>
+                  <a:srgbClr val="000000"/>
+                </a:solidFill>
+                <a:latin typeface="Helvetica Neue"/>
+                <a:ea typeface="Helvetica Neue"/>
+                <a:cs typeface="Helvetica Neue"/>
+                <a:sym typeface="Helvetica Neue"/>
+              </a:defRPr>
+            </a:lvl3pPr>
+            <a:lvl4pPr marR="0" lvl="3" algn="l" rtl="0">
+              <a:lnSpc>
+                <a:spcPct val="100000"/>
+              </a:lnSpc>
+              <a:spcBef>
+                <a:spcPts val="2200"/>
+              </a:spcBef>
+              <a:spcAft>
+                <a:spcPts val="0"/>
+              </a:spcAft>
+              <a:buClr>
+                <a:srgbClr val="000000"/>
+              </a:buClr>
+              <a:buSzPts val="2400"/>
+              <a:buFont typeface="Helvetica Neue"/>
+              <a:buChar char="•"/>
+              <a:defRPr sz="2000" b="0" i="0" u="none" strike="noStrike" cap="none">
+                <a:solidFill>
+                  <a:srgbClr val="000000"/>
+                </a:solidFill>
+                <a:latin typeface="Helvetica Neue"/>
+                <a:ea typeface="Helvetica Neue"/>
+                <a:cs typeface="Helvetica Neue"/>
+                <a:sym typeface="Helvetica Neue"/>
+              </a:defRPr>
+            </a:lvl4pPr>
+            <a:lvl5pPr marR="0" lvl="4" algn="l" rtl="0">
+              <a:lnSpc>
+                <a:spcPct val="100000"/>
+              </a:lnSpc>
+              <a:spcBef>
+                <a:spcPts val="2200"/>
+              </a:spcBef>
+              <a:spcAft>
+                <a:spcPts val="0"/>
+              </a:spcAft>
+              <a:buClr>
+                <a:srgbClr val="000000"/>
+              </a:buClr>
+              <a:buSzPts val="2400"/>
+              <a:buFont typeface="Helvetica Neue"/>
+              <a:buChar char="•"/>
+              <a:defRPr sz="2000" b="0" i="0" u="none" strike="noStrike" cap="none">
+                <a:solidFill>
+                  <a:srgbClr val="000000"/>
+                </a:solidFill>
+                <a:latin typeface="Helvetica Neue"/>
+                <a:ea typeface="Helvetica Neue"/>
+                <a:cs typeface="Helvetica Neue"/>
+                <a:sym typeface="Helvetica Neue"/>
+              </a:defRPr>
+            </a:lvl5pPr>
+            <a:lvl6pPr marR="0" lvl="5" algn="l" rtl="0">
+              <a:lnSpc>
+                <a:spcPct val="100000"/>
+              </a:lnSpc>
+              <a:spcBef>
+                <a:spcPts val="2200"/>
+              </a:spcBef>
+              <a:spcAft>
+                <a:spcPts val="0"/>
+              </a:spcAft>
+              <a:buClr>
+                <a:srgbClr val="000000"/>
+              </a:buClr>
+              <a:buSzPts val="2400"/>
+              <a:buFont typeface="Helvetica Neue"/>
+              <a:buChar char="•"/>
+              <a:defRPr sz="2000" b="0" i="0" u="none" strike="noStrike" cap="none">
+                <a:solidFill>
+                  <a:srgbClr val="000000"/>
+                </a:solidFill>
+                <a:latin typeface="Helvetica Neue"/>
+                <a:ea typeface="Helvetica Neue"/>
+                <a:cs typeface="Helvetica Neue"/>
+                <a:sym typeface="Helvetica Neue"/>
+              </a:defRPr>
+            </a:lvl6pPr>
+            <a:lvl7pPr marR="0" lvl="6" algn="l" rtl="0">
+              <a:lnSpc>
+                <a:spcPct val="100000"/>
+              </a:lnSpc>
+              <a:spcBef>
+                <a:spcPts val="2200"/>
+              </a:spcBef>
+              <a:spcAft>
+                <a:spcPts val="0"/>
+              </a:spcAft>
+              <a:buClr>
+                <a:srgbClr val="000000"/>
+              </a:buClr>
+              <a:buSzPts val="2400"/>
+              <a:buFont typeface="Helvetica Neue"/>
+              <a:buChar char="•"/>
+              <a:defRPr sz="2000" b="0" i="0" u="none" strike="noStrike" cap="none">
+                <a:solidFill>
+                  <a:srgbClr val="000000"/>
+                </a:solidFill>
+                <a:latin typeface="Helvetica Neue"/>
+                <a:ea typeface="Helvetica Neue"/>
+                <a:cs typeface="Helvetica Neue"/>
+                <a:sym typeface="Helvetica Neue"/>
+              </a:defRPr>
+            </a:lvl7pPr>
+            <a:lvl8pPr marR="0" lvl="7" algn="l" rtl="0">
+              <a:lnSpc>
+                <a:spcPct val="100000"/>
+              </a:lnSpc>
+              <a:spcBef>
+                <a:spcPts val="2200"/>
+              </a:spcBef>
+              <a:spcAft>
+                <a:spcPts val="0"/>
+              </a:spcAft>
+              <a:buClr>
+                <a:srgbClr val="000000"/>
+              </a:buClr>
+              <a:buSzPts val="2400"/>
+              <a:buFont typeface="Helvetica Neue"/>
+              <a:buChar char="•"/>
+              <a:defRPr sz="2000" b="0" i="0" u="none" strike="noStrike" cap="none">
+                <a:solidFill>
+                  <a:srgbClr val="000000"/>
+                </a:solidFill>
+                <a:latin typeface="Helvetica Neue"/>
+                <a:ea typeface="Helvetica Neue"/>
+                <a:cs typeface="Helvetica Neue"/>
+                <a:sym typeface="Helvetica Neue"/>
+              </a:defRPr>
+            </a:lvl8pPr>
+            <a:lvl9pPr marR="0" lvl="8" algn="l" rtl="0">
+              <a:lnSpc>
+                <a:spcPct val="100000"/>
+              </a:lnSpc>
+              <a:spcBef>
+                <a:spcPts val="2200"/>
+              </a:spcBef>
+              <a:spcAft>
+                <a:spcPts val="0"/>
+              </a:spcAft>
+              <a:buClr>
+                <a:srgbClr val="000000"/>
+              </a:buClr>
+              <a:buSzPts val="2400"/>
+              <a:buFont typeface="Helvetica Neue"/>
+              <a:buChar char="•"/>
+              <a:defRPr sz="2000" b="0" i="0" u="none" strike="noStrike" cap="none">
+                <a:solidFill>
+                  <a:srgbClr val="000000"/>
+                </a:solidFill>
+                <a:latin typeface="Helvetica Neue"/>
+                <a:ea typeface="Helvetica Neue"/>
+                <a:cs typeface="Helvetica Neue"/>
+                <a:sym typeface="Helvetica Neue"/>
+              </a:defRPr>
+            </a:lvl9pPr>
+          </a:lstStyle>
+          <a:p>
+            <a:endParaRPr/>
+          </a:p>
+        </p:txBody>
+      </p:sp>
+      <p:sp>
+        <p:nvSpPr>
+          <p:cNvPr id="89" name="Google Shape;89;p22"/>
+          <p:cNvSpPr>
+            <a:spLocks noGrp="1"/>
+          </p:cNvSpPr>
+          <p:nvPr>
+            <p:ph type="pic" idx="4"/>
+          </p:nvPr>
+        </p:nvSpPr>
+        <p:spPr>
+          <a:xfrm>
+            <a:off x="452438" y="423863"/>
+            <a:ext cx="5315100" cy="4300500"/>
+          </a:xfrm>
+          <a:prstGeom prst="rect">
+            <a:avLst/>
+          </a:prstGeom>
+          <a:noFill/>
+          <a:ln>
+            <a:noFill/>
+          </a:ln>
+        </p:spPr>
+        <p:txBody>
+          <a:bodyPr spcFirstLastPara="1" wrap="square" lIns="34275" tIns="17150" rIns="34275" bIns="17150" anchor="t" anchorCtr="0">
+            <a:noAutofit/>
+          </a:bodyPr>
+          <a:lstStyle>
+            <a:lvl1pPr marR="0" lvl="0" algn="l" rtl="0">
+              <a:lnSpc>
+                <a:spcPct val="100000"/>
+              </a:lnSpc>
+              <a:spcBef>
+                <a:spcPts val="2200"/>
+              </a:spcBef>
+              <a:spcAft>
+                <a:spcPts val="0"/>
+              </a:spcAft>
+              <a:buClr>
+                <a:srgbClr val="000000"/>
+              </a:buClr>
+              <a:buSzPts val="2400"/>
+              <a:buFont typeface="Helvetica Neue"/>
+              <a:buChar char="•"/>
+              <a:defRPr sz="2000" b="0" i="0" u="none" strike="noStrike" cap="none">
+                <a:solidFill>
+                  <a:srgbClr val="000000"/>
+                </a:solidFill>
+                <a:latin typeface="Helvetica Neue"/>
+                <a:ea typeface="Helvetica Neue"/>
+                <a:cs typeface="Helvetica Neue"/>
+                <a:sym typeface="Helvetica Neue"/>
+              </a:defRPr>
+            </a:lvl1pPr>
+            <a:lvl2pPr marR="0" lvl="1" algn="l" rtl="0">
+              <a:lnSpc>
+                <a:spcPct val="100000"/>
+              </a:lnSpc>
+              <a:spcBef>
+                <a:spcPts val="2200"/>
+              </a:spcBef>
+              <a:spcAft>
+                <a:spcPts val="0"/>
+              </a:spcAft>
+              <a:buClr>
+                <a:srgbClr val="000000"/>
+              </a:buClr>
+              <a:buSzPts val="2400"/>
+              <a:buFont typeface="Helvetica Neue"/>
+              <a:buChar char="•"/>
+              <a:defRPr sz="2000" b="0" i="0" u="none" strike="noStrike" cap="none">
+                <a:solidFill>
+                  <a:srgbClr val="000000"/>
+                </a:solidFill>
+                <a:latin typeface="Helvetica Neue"/>
+                <a:ea typeface="Helvetica Neue"/>
+                <a:cs typeface="Helvetica Neue"/>
+                <a:sym typeface="Helvetica Neue"/>
+              </a:defRPr>
+            </a:lvl2pPr>
+            <a:lvl3pPr marR="0" lvl="2" algn="l" rtl="0">
+              <a:lnSpc>
+                <a:spcPct val="100000"/>
+              </a:lnSpc>
+              <a:spcBef>
+                <a:spcPts val="2200"/>
+              </a:spcBef>
+              <a:spcAft>
+                <a:spcPts val="0"/>
+              </a:spcAft>
+              <a:buClr>
+                <a:srgbClr val="000000"/>
+              </a:buClr>
+              <a:buSzPts val="2400"/>
+              <a:buFont typeface="Helvetica Neue"/>
+              <a:buChar char="•"/>
+              <a:defRPr sz="2000" b="0" i="0" u="none" strike="noStrike" cap="none">
+                <a:solidFill>
+                  <a:srgbClr val="000000"/>
+                </a:solidFill>
+                <a:latin typeface="Helvetica Neue"/>
+                <a:ea typeface="Helvetica Neue"/>
+                <a:cs typeface="Helvetica Neue"/>
+                <a:sym typeface="Helvetica Neue"/>
+              </a:defRPr>
+            </a:lvl3pPr>
+            <a:lvl4pPr marR="0" lvl="3" algn="l" rtl="0">
+              <a:lnSpc>
+                <a:spcPct val="100000"/>
+              </a:lnSpc>
+              <a:spcBef>
+                <a:spcPts val="2200"/>
+              </a:spcBef>
+              <a:spcAft>
+                <a:spcPts val="0"/>
+              </a:spcAft>
+              <a:buClr>
+                <a:srgbClr val="000000"/>
+              </a:buClr>
+              <a:buSzPts val="2400"/>
+              <a:buFont typeface="Helvetica Neue"/>
+              <a:buChar char="•"/>
+              <a:defRPr sz="2000" b="0" i="0" u="none" strike="noStrike" cap="none">
+                <a:solidFill>
+                  <a:srgbClr val="000000"/>
+                </a:solidFill>
+                <a:latin typeface="Helvetica Neue"/>
+                <a:ea typeface="Helvetica Neue"/>
+                <a:cs typeface="Helvetica Neue"/>
+                <a:sym typeface="Helvetica Neue"/>
+              </a:defRPr>
+            </a:lvl4pPr>
+            <a:lvl5pPr marR="0" lvl="4" algn="l" rtl="0">
+              <a:lnSpc>
+                <a:spcPct val="100000"/>
+              </a:lnSpc>
+              <a:spcBef>
+                <a:spcPts val="2200"/>
+              </a:spcBef>
+              <a:spcAft>
+                <a:spcPts val="0"/>
+              </a:spcAft>
+              <a:buClr>
+                <a:srgbClr val="000000"/>
+              </a:buClr>
+              <a:buSzPts val="2400"/>
+              <a:buFont typeface="Helvetica Neue"/>
+              <a:buChar char="•"/>
+              <a:defRPr sz="2000" b="0" i="0" u="none" strike="noStrike" cap="none">
+                <a:solidFill>
+                  <a:srgbClr val="000000"/>
+                </a:solidFill>
+                <a:latin typeface="Helvetica Neue"/>
+                <a:ea typeface="Helvetica Neue"/>
+                <a:cs typeface="Helvetica Neue"/>
+                <a:sym typeface="Helvetica Neue"/>
+              </a:defRPr>
+            </a:lvl5pPr>
+            <a:lvl6pPr marR="0" lvl="5" algn="l" rtl="0">
+              <a:lnSpc>
+                <a:spcPct val="100000"/>
+              </a:lnSpc>
+              <a:spcBef>
+                <a:spcPts val="2200"/>
+              </a:spcBef>
+              <a:spcAft>
+                <a:spcPts val="0"/>
+              </a:spcAft>
+              <a:buClr>
+                <a:srgbClr val="000000"/>
+              </a:buClr>
+              <a:buSzPts val="2400"/>
+              <a:buFont typeface="Helvetica Neue"/>
+              <a:buChar char="•"/>
+              <a:defRPr sz="2000" b="0" i="0" u="none" strike="noStrike" cap="none">
+                <a:solidFill>
+                  <a:srgbClr val="000000"/>
+                </a:solidFill>
+                <a:latin typeface="Helvetica Neue"/>
+                <a:ea typeface="Helvetica Neue"/>
+                <a:cs typeface="Helvetica Neue"/>
+                <a:sym typeface="Helvetica Neue"/>
+              </a:defRPr>
+            </a:lvl6pPr>
+            <a:lvl7pPr marR="0" lvl="6" algn="l" rtl="0">
+              <a:lnSpc>
+                <a:spcPct val="100000"/>
+              </a:lnSpc>
+              <a:spcBef>
+                <a:spcPts val="2200"/>
+              </a:spcBef>
+              <a:spcAft>
+                <a:spcPts val="0"/>
+              </a:spcAft>
+              <a:buClr>
+                <a:srgbClr val="000000"/>
+              </a:buClr>
+              <a:buSzPts val="2400"/>
+              <a:buFont typeface="Helvetica Neue"/>
+              <a:buChar char="•"/>
+              <a:defRPr sz="2000" b="0" i="0" u="none" strike="noStrike" cap="none">
+                <a:solidFill>
+                  <a:srgbClr val="000000"/>
+                </a:solidFill>
+                <a:latin typeface="Helvetica Neue"/>
+                <a:ea typeface="Helvetica Neue"/>
+                <a:cs typeface="Helvetica Neue"/>
+                <a:sym typeface="Helvetica Neue"/>
+              </a:defRPr>
+            </a:lvl7pPr>
+            <a:lvl8pPr marR="0" lvl="7" algn="l" rtl="0">
+              <a:lnSpc>
+                <a:spcPct val="100000"/>
+              </a:lnSpc>
+              <a:spcBef>
+                <a:spcPts val="2200"/>
+              </a:spcBef>
+              <a:spcAft>
+                <a:spcPts val="0"/>
+              </a:spcAft>
+              <a:buClr>
+                <a:srgbClr val="000000"/>
+              </a:buClr>
+              <a:buSzPts val="2400"/>
+              <a:buFont typeface="Helvetica Neue"/>
+              <a:buChar char="•"/>
+              <a:defRPr sz="2000" b="0" i="0" u="none" strike="noStrike" cap="none">
+                <a:solidFill>
+                  <a:srgbClr val="000000"/>
+                </a:solidFill>
+                <a:latin typeface="Helvetica Neue"/>
+                <a:ea typeface="Helvetica Neue"/>
+                <a:cs typeface="Helvetica Neue"/>
+                <a:sym typeface="Helvetica Neue"/>
+              </a:defRPr>
+            </a:lvl8pPr>
+            <a:lvl9pPr marR="0" lvl="8" algn="l" rtl="0">
+              <a:lnSpc>
+                <a:spcPct val="100000"/>
+              </a:lnSpc>
+              <a:spcBef>
+                <a:spcPts val="2200"/>
+              </a:spcBef>
+              <a:spcAft>
+                <a:spcPts val="0"/>
+              </a:spcAft>
+              <a:buClr>
+                <a:srgbClr val="000000"/>
+              </a:buClr>
+              <a:buSzPts val="2400"/>
+              <a:buFont typeface="Helvetica Neue"/>
+              <a:buChar char="•"/>
+              <a:defRPr sz="2000" b="0" i="0" u="none" strike="noStrike" cap="none">
+                <a:solidFill>
+                  <a:srgbClr val="000000"/>
+                </a:solidFill>
+                <a:latin typeface="Helvetica Neue"/>
+                <a:ea typeface="Helvetica Neue"/>
+                <a:cs typeface="Helvetica Neue"/>
+                <a:sym typeface="Helvetica Neue"/>
+              </a:defRPr>
+            </a:lvl9pPr>
+          </a:lstStyle>
+          <a:p>
+            <a:endParaRPr/>
+          </a:p>
+        </p:txBody>
+      </p:sp>
+      <p:sp>
+        <p:nvSpPr>
+          <p:cNvPr id="90" name="Google Shape;90;p22"/>
           <p:cNvSpPr txBox="1">
             <a:spLocks noGrp="1"/>
           </p:cNvSpPr>
@@ -7944,1089 +8211,6 @@
 </file>
 
 <file path=ppt/slideLayouts/slideLayout20.xml><?xml version="1.0" encoding="utf-8"?>
-<p:sldLayout xmlns:a="http://schemas.openxmlformats.org/drawingml/2006/main" xmlns:r="http://schemas.openxmlformats.org/officeDocument/2006/relationships" xmlns:p="http://schemas.openxmlformats.org/presentationml/2006/main" matchingName="照片 - 3 联">
-  <p:cSld name="照片 - 3 联">
-    <p:spTree>
-      <p:nvGrpSpPr>
-        <p:cNvPr id="1" name="Shape 86"/>
-        <p:cNvGrpSpPr/>
-        <p:nvPr/>
-      </p:nvGrpSpPr>
-      <p:grpSpPr>
-        <a:xfrm>
-          <a:off x="0" y="0"/>
-          <a:ext cx="0" cy="0"/>
-          <a:chOff x="0" y="0"/>
-          <a:chExt cx="0" cy="0"/>
-        </a:xfrm>
-      </p:grpSpPr>
-      <p:sp>
-        <p:nvSpPr>
-          <p:cNvPr id="87" name="Google Shape;87;p22"/>
-          <p:cNvSpPr>
-            <a:spLocks noGrp="1"/>
-          </p:cNvSpPr>
-          <p:nvPr>
-            <p:ph type="pic" idx="2"/>
-          </p:nvPr>
-        </p:nvSpPr>
-        <p:spPr>
-          <a:xfrm>
-            <a:off x="5910263" y="2643188"/>
-            <a:ext cx="2776500" cy="2081100"/>
-          </a:xfrm>
-          <a:prstGeom prst="rect">
-            <a:avLst/>
-          </a:prstGeom>
-          <a:noFill/>
-          <a:ln>
-            <a:noFill/>
-          </a:ln>
-        </p:spPr>
-        <p:txBody>
-          <a:bodyPr spcFirstLastPara="1" wrap="square" lIns="34275" tIns="17150" rIns="34275" bIns="17150" anchor="t" anchorCtr="0">
-            <a:noAutofit/>
-          </a:bodyPr>
-          <a:lstStyle>
-            <a:lvl1pPr marR="0" lvl="0" algn="l" rtl="0">
-              <a:lnSpc>
-                <a:spcPct val="100000"/>
-              </a:lnSpc>
-              <a:spcBef>
-                <a:spcPts val="2200"/>
-              </a:spcBef>
-              <a:spcAft>
-                <a:spcPts val="0"/>
-              </a:spcAft>
-              <a:buClr>
-                <a:srgbClr val="000000"/>
-              </a:buClr>
-              <a:buSzPts val="2400"/>
-              <a:buFont typeface="Helvetica Neue"/>
-              <a:buChar char="•"/>
-              <a:defRPr sz="2000" b="0" i="0" u="none" strike="noStrike" cap="none">
-                <a:solidFill>
-                  <a:srgbClr val="000000"/>
-                </a:solidFill>
-                <a:latin typeface="Helvetica Neue"/>
-                <a:ea typeface="Helvetica Neue"/>
-                <a:cs typeface="Helvetica Neue"/>
-                <a:sym typeface="Helvetica Neue"/>
-              </a:defRPr>
-            </a:lvl1pPr>
-            <a:lvl2pPr marR="0" lvl="1" algn="l" rtl="0">
-              <a:lnSpc>
-                <a:spcPct val="100000"/>
-              </a:lnSpc>
-              <a:spcBef>
-                <a:spcPts val="2200"/>
-              </a:spcBef>
-              <a:spcAft>
-                <a:spcPts val="0"/>
-              </a:spcAft>
-              <a:buClr>
-                <a:srgbClr val="000000"/>
-              </a:buClr>
-              <a:buSzPts val="2400"/>
-              <a:buFont typeface="Helvetica Neue"/>
-              <a:buChar char="•"/>
-              <a:defRPr sz="2000" b="0" i="0" u="none" strike="noStrike" cap="none">
-                <a:solidFill>
-                  <a:srgbClr val="000000"/>
-                </a:solidFill>
-                <a:latin typeface="Helvetica Neue"/>
-                <a:ea typeface="Helvetica Neue"/>
-                <a:cs typeface="Helvetica Neue"/>
-                <a:sym typeface="Helvetica Neue"/>
-              </a:defRPr>
-            </a:lvl2pPr>
-            <a:lvl3pPr marR="0" lvl="2" algn="l" rtl="0">
-              <a:lnSpc>
-                <a:spcPct val="100000"/>
-              </a:lnSpc>
-              <a:spcBef>
-                <a:spcPts val="2200"/>
-              </a:spcBef>
-              <a:spcAft>
-                <a:spcPts val="0"/>
-              </a:spcAft>
-              <a:buClr>
-                <a:srgbClr val="000000"/>
-              </a:buClr>
-              <a:buSzPts val="2400"/>
-              <a:buFont typeface="Helvetica Neue"/>
-              <a:buChar char="•"/>
-              <a:defRPr sz="2000" b="0" i="0" u="none" strike="noStrike" cap="none">
-                <a:solidFill>
-                  <a:srgbClr val="000000"/>
-                </a:solidFill>
-                <a:latin typeface="Helvetica Neue"/>
-                <a:ea typeface="Helvetica Neue"/>
-                <a:cs typeface="Helvetica Neue"/>
-                <a:sym typeface="Helvetica Neue"/>
-              </a:defRPr>
-            </a:lvl3pPr>
-            <a:lvl4pPr marR="0" lvl="3" algn="l" rtl="0">
-              <a:lnSpc>
-                <a:spcPct val="100000"/>
-              </a:lnSpc>
-              <a:spcBef>
-                <a:spcPts val="2200"/>
-              </a:spcBef>
-              <a:spcAft>
-                <a:spcPts val="0"/>
-              </a:spcAft>
-              <a:buClr>
-                <a:srgbClr val="000000"/>
-              </a:buClr>
-              <a:buSzPts val="2400"/>
-              <a:buFont typeface="Helvetica Neue"/>
-              <a:buChar char="•"/>
-              <a:defRPr sz="2000" b="0" i="0" u="none" strike="noStrike" cap="none">
-                <a:solidFill>
-                  <a:srgbClr val="000000"/>
-                </a:solidFill>
-                <a:latin typeface="Helvetica Neue"/>
-                <a:ea typeface="Helvetica Neue"/>
-                <a:cs typeface="Helvetica Neue"/>
-                <a:sym typeface="Helvetica Neue"/>
-              </a:defRPr>
-            </a:lvl4pPr>
-            <a:lvl5pPr marR="0" lvl="4" algn="l" rtl="0">
-              <a:lnSpc>
-                <a:spcPct val="100000"/>
-              </a:lnSpc>
-              <a:spcBef>
-                <a:spcPts val="2200"/>
-              </a:spcBef>
-              <a:spcAft>
-                <a:spcPts val="0"/>
-              </a:spcAft>
-              <a:buClr>
-                <a:srgbClr val="000000"/>
-              </a:buClr>
-              <a:buSzPts val="2400"/>
-              <a:buFont typeface="Helvetica Neue"/>
-              <a:buChar char="•"/>
-              <a:defRPr sz="2000" b="0" i="0" u="none" strike="noStrike" cap="none">
-                <a:solidFill>
-                  <a:srgbClr val="000000"/>
-                </a:solidFill>
-                <a:latin typeface="Helvetica Neue"/>
-                <a:ea typeface="Helvetica Neue"/>
-                <a:cs typeface="Helvetica Neue"/>
-                <a:sym typeface="Helvetica Neue"/>
-              </a:defRPr>
-            </a:lvl5pPr>
-            <a:lvl6pPr marR="0" lvl="5" algn="l" rtl="0">
-              <a:lnSpc>
-                <a:spcPct val="100000"/>
-              </a:lnSpc>
-              <a:spcBef>
-                <a:spcPts val="2200"/>
-              </a:spcBef>
-              <a:spcAft>
-                <a:spcPts val="0"/>
-              </a:spcAft>
-              <a:buClr>
-                <a:srgbClr val="000000"/>
-              </a:buClr>
-              <a:buSzPts val="2400"/>
-              <a:buFont typeface="Helvetica Neue"/>
-              <a:buChar char="•"/>
-              <a:defRPr sz="2000" b="0" i="0" u="none" strike="noStrike" cap="none">
-                <a:solidFill>
-                  <a:srgbClr val="000000"/>
-                </a:solidFill>
-                <a:latin typeface="Helvetica Neue"/>
-                <a:ea typeface="Helvetica Neue"/>
-                <a:cs typeface="Helvetica Neue"/>
-                <a:sym typeface="Helvetica Neue"/>
-              </a:defRPr>
-            </a:lvl6pPr>
-            <a:lvl7pPr marR="0" lvl="6" algn="l" rtl="0">
-              <a:lnSpc>
-                <a:spcPct val="100000"/>
-              </a:lnSpc>
-              <a:spcBef>
-                <a:spcPts val="2200"/>
-              </a:spcBef>
-              <a:spcAft>
-                <a:spcPts val="0"/>
-              </a:spcAft>
-              <a:buClr>
-                <a:srgbClr val="000000"/>
-              </a:buClr>
-              <a:buSzPts val="2400"/>
-              <a:buFont typeface="Helvetica Neue"/>
-              <a:buChar char="•"/>
-              <a:defRPr sz="2000" b="0" i="0" u="none" strike="noStrike" cap="none">
-                <a:solidFill>
-                  <a:srgbClr val="000000"/>
-                </a:solidFill>
-                <a:latin typeface="Helvetica Neue"/>
-                <a:ea typeface="Helvetica Neue"/>
-                <a:cs typeface="Helvetica Neue"/>
-                <a:sym typeface="Helvetica Neue"/>
-              </a:defRPr>
-            </a:lvl7pPr>
-            <a:lvl8pPr marR="0" lvl="7" algn="l" rtl="0">
-              <a:lnSpc>
-                <a:spcPct val="100000"/>
-              </a:lnSpc>
-              <a:spcBef>
-                <a:spcPts val="2200"/>
-              </a:spcBef>
-              <a:spcAft>
-                <a:spcPts val="0"/>
-              </a:spcAft>
-              <a:buClr>
-                <a:srgbClr val="000000"/>
-              </a:buClr>
-              <a:buSzPts val="2400"/>
-              <a:buFont typeface="Helvetica Neue"/>
-              <a:buChar char="•"/>
-              <a:defRPr sz="2000" b="0" i="0" u="none" strike="noStrike" cap="none">
-                <a:solidFill>
-                  <a:srgbClr val="000000"/>
-                </a:solidFill>
-                <a:latin typeface="Helvetica Neue"/>
-                <a:ea typeface="Helvetica Neue"/>
-                <a:cs typeface="Helvetica Neue"/>
-                <a:sym typeface="Helvetica Neue"/>
-              </a:defRPr>
-            </a:lvl8pPr>
-            <a:lvl9pPr marR="0" lvl="8" algn="l" rtl="0">
-              <a:lnSpc>
-                <a:spcPct val="100000"/>
-              </a:lnSpc>
-              <a:spcBef>
-                <a:spcPts val="2200"/>
-              </a:spcBef>
-              <a:spcAft>
-                <a:spcPts val="0"/>
-              </a:spcAft>
-              <a:buClr>
-                <a:srgbClr val="000000"/>
-              </a:buClr>
-              <a:buSzPts val="2400"/>
-              <a:buFont typeface="Helvetica Neue"/>
-              <a:buChar char="•"/>
-              <a:defRPr sz="2000" b="0" i="0" u="none" strike="noStrike" cap="none">
-                <a:solidFill>
-                  <a:srgbClr val="000000"/>
-                </a:solidFill>
-                <a:latin typeface="Helvetica Neue"/>
-                <a:ea typeface="Helvetica Neue"/>
-                <a:cs typeface="Helvetica Neue"/>
-                <a:sym typeface="Helvetica Neue"/>
-              </a:defRPr>
-            </a:lvl9pPr>
-          </a:lstStyle>
-          <a:p>
-            <a:endParaRPr/>
-          </a:p>
-        </p:txBody>
-      </p:sp>
-      <p:sp>
-        <p:nvSpPr>
-          <p:cNvPr id="88" name="Google Shape;88;p22"/>
-          <p:cNvSpPr>
-            <a:spLocks noGrp="1"/>
-          </p:cNvSpPr>
-          <p:nvPr>
-            <p:ph type="pic" idx="3"/>
-          </p:nvPr>
-        </p:nvSpPr>
-        <p:spPr>
-          <a:xfrm>
-            <a:off x="5910263" y="423863"/>
-            <a:ext cx="2776500" cy="2081100"/>
-          </a:xfrm>
-          <a:prstGeom prst="rect">
-            <a:avLst/>
-          </a:prstGeom>
-          <a:noFill/>
-          <a:ln>
-            <a:noFill/>
-          </a:ln>
-        </p:spPr>
-        <p:txBody>
-          <a:bodyPr spcFirstLastPara="1" wrap="square" lIns="34275" tIns="17150" rIns="34275" bIns="17150" anchor="t" anchorCtr="0">
-            <a:noAutofit/>
-          </a:bodyPr>
-          <a:lstStyle>
-            <a:lvl1pPr marR="0" lvl="0" algn="l" rtl="0">
-              <a:lnSpc>
-                <a:spcPct val="100000"/>
-              </a:lnSpc>
-              <a:spcBef>
-                <a:spcPts val="2200"/>
-              </a:spcBef>
-              <a:spcAft>
-                <a:spcPts val="0"/>
-              </a:spcAft>
-              <a:buClr>
-                <a:srgbClr val="000000"/>
-              </a:buClr>
-              <a:buSzPts val="2400"/>
-              <a:buFont typeface="Helvetica Neue"/>
-              <a:buChar char="•"/>
-              <a:defRPr sz="2000" b="0" i="0" u="none" strike="noStrike" cap="none">
-                <a:solidFill>
-                  <a:srgbClr val="000000"/>
-                </a:solidFill>
-                <a:latin typeface="Helvetica Neue"/>
-                <a:ea typeface="Helvetica Neue"/>
-                <a:cs typeface="Helvetica Neue"/>
-                <a:sym typeface="Helvetica Neue"/>
-              </a:defRPr>
-            </a:lvl1pPr>
-            <a:lvl2pPr marR="0" lvl="1" algn="l" rtl="0">
-              <a:lnSpc>
-                <a:spcPct val="100000"/>
-              </a:lnSpc>
-              <a:spcBef>
-                <a:spcPts val="2200"/>
-              </a:spcBef>
-              <a:spcAft>
-                <a:spcPts val="0"/>
-              </a:spcAft>
-              <a:buClr>
-                <a:srgbClr val="000000"/>
-              </a:buClr>
-              <a:buSzPts val="2400"/>
-              <a:buFont typeface="Helvetica Neue"/>
-              <a:buChar char="•"/>
-              <a:defRPr sz="2000" b="0" i="0" u="none" strike="noStrike" cap="none">
-                <a:solidFill>
-                  <a:srgbClr val="000000"/>
-                </a:solidFill>
-                <a:latin typeface="Helvetica Neue"/>
-                <a:ea typeface="Helvetica Neue"/>
-                <a:cs typeface="Helvetica Neue"/>
-                <a:sym typeface="Helvetica Neue"/>
-              </a:defRPr>
-            </a:lvl2pPr>
-            <a:lvl3pPr marR="0" lvl="2" algn="l" rtl="0">
-              <a:lnSpc>
-                <a:spcPct val="100000"/>
-              </a:lnSpc>
-              <a:spcBef>
-                <a:spcPts val="2200"/>
-              </a:spcBef>
-              <a:spcAft>
-                <a:spcPts val="0"/>
-              </a:spcAft>
-              <a:buClr>
-                <a:srgbClr val="000000"/>
-              </a:buClr>
-              <a:buSzPts val="2400"/>
-              <a:buFont typeface="Helvetica Neue"/>
-              <a:buChar char="•"/>
-              <a:defRPr sz="2000" b="0" i="0" u="none" strike="noStrike" cap="none">
-                <a:solidFill>
-                  <a:srgbClr val="000000"/>
-                </a:solidFill>
-                <a:latin typeface="Helvetica Neue"/>
-                <a:ea typeface="Helvetica Neue"/>
-                <a:cs typeface="Helvetica Neue"/>
-                <a:sym typeface="Helvetica Neue"/>
-              </a:defRPr>
-            </a:lvl3pPr>
-            <a:lvl4pPr marR="0" lvl="3" algn="l" rtl="0">
-              <a:lnSpc>
-                <a:spcPct val="100000"/>
-              </a:lnSpc>
-              <a:spcBef>
-                <a:spcPts val="2200"/>
-              </a:spcBef>
-              <a:spcAft>
-                <a:spcPts val="0"/>
-              </a:spcAft>
-              <a:buClr>
-                <a:srgbClr val="000000"/>
-              </a:buClr>
-              <a:buSzPts val="2400"/>
-              <a:buFont typeface="Helvetica Neue"/>
-              <a:buChar char="•"/>
-              <a:defRPr sz="2000" b="0" i="0" u="none" strike="noStrike" cap="none">
-                <a:solidFill>
-                  <a:srgbClr val="000000"/>
-                </a:solidFill>
-                <a:latin typeface="Helvetica Neue"/>
-                <a:ea typeface="Helvetica Neue"/>
-                <a:cs typeface="Helvetica Neue"/>
-                <a:sym typeface="Helvetica Neue"/>
-              </a:defRPr>
-            </a:lvl4pPr>
-            <a:lvl5pPr marR="0" lvl="4" algn="l" rtl="0">
-              <a:lnSpc>
-                <a:spcPct val="100000"/>
-              </a:lnSpc>
-              <a:spcBef>
-                <a:spcPts val="2200"/>
-              </a:spcBef>
-              <a:spcAft>
-                <a:spcPts val="0"/>
-              </a:spcAft>
-              <a:buClr>
-                <a:srgbClr val="000000"/>
-              </a:buClr>
-              <a:buSzPts val="2400"/>
-              <a:buFont typeface="Helvetica Neue"/>
-              <a:buChar char="•"/>
-              <a:defRPr sz="2000" b="0" i="0" u="none" strike="noStrike" cap="none">
-                <a:solidFill>
-                  <a:srgbClr val="000000"/>
-                </a:solidFill>
-                <a:latin typeface="Helvetica Neue"/>
-                <a:ea typeface="Helvetica Neue"/>
-                <a:cs typeface="Helvetica Neue"/>
-                <a:sym typeface="Helvetica Neue"/>
-              </a:defRPr>
-            </a:lvl5pPr>
-            <a:lvl6pPr marR="0" lvl="5" algn="l" rtl="0">
-              <a:lnSpc>
-                <a:spcPct val="100000"/>
-              </a:lnSpc>
-              <a:spcBef>
-                <a:spcPts val="2200"/>
-              </a:spcBef>
-              <a:spcAft>
-                <a:spcPts val="0"/>
-              </a:spcAft>
-              <a:buClr>
-                <a:srgbClr val="000000"/>
-              </a:buClr>
-              <a:buSzPts val="2400"/>
-              <a:buFont typeface="Helvetica Neue"/>
-              <a:buChar char="•"/>
-              <a:defRPr sz="2000" b="0" i="0" u="none" strike="noStrike" cap="none">
-                <a:solidFill>
-                  <a:srgbClr val="000000"/>
-                </a:solidFill>
-                <a:latin typeface="Helvetica Neue"/>
-                <a:ea typeface="Helvetica Neue"/>
-                <a:cs typeface="Helvetica Neue"/>
-                <a:sym typeface="Helvetica Neue"/>
-              </a:defRPr>
-            </a:lvl6pPr>
-            <a:lvl7pPr marR="0" lvl="6" algn="l" rtl="0">
-              <a:lnSpc>
-                <a:spcPct val="100000"/>
-              </a:lnSpc>
-              <a:spcBef>
-                <a:spcPts val="2200"/>
-              </a:spcBef>
-              <a:spcAft>
-                <a:spcPts val="0"/>
-              </a:spcAft>
-              <a:buClr>
-                <a:srgbClr val="000000"/>
-              </a:buClr>
-              <a:buSzPts val="2400"/>
-              <a:buFont typeface="Helvetica Neue"/>
-              <a:buChar char="•"/>
-              <a:defRPr sz="2000" b="0" i="0" u="none" strike="noStrike" cap="none">
-                <a:solidFill>
-                  <a:srgbClr val="000000"/>
-                </a:solidFill>
-                <a:latin typeface="Helvetica Neue"/>
-                <a:ea typeface="Helvetica Neue"/>
-                <a:cs typeface="Helvetica Neue"/>
-                <a:sym typeface="Helvetica Neue"/>
-              </a:defRPr>
-            </a:lvl7pPr>
-            <a:lvl8pPr marR="0" lvl="7" algn="l" rtl="0">
-              <a:lnSpc>
-                <a:spcPct val="100000"/>
-              </a:lnSpc>
-              <a:spcBef>
-                <a:spcPts val="2200"/>
-              </a:spcBef>
-              <a:spcAft>
-                <a:spcPts val="0"/>
-              </a:spcAft>
-              <a:buClr>
-                <a:srgbClr val="000000"/>
-              </a:buClr>
-              <a:buSzPts val="2400"/>
-              <a:buFont typeface="Helvetica Neue"/>
-              <a:buChar char="•"/>
-              <a:defRPr sz="2000" b="0" i="0" u="none" strike="noStrike" cap="none">
-                <a:solidFill>
-                  <a:srgbClr val="000000"/>
-                </a:solidFill>
-                <a:latin typeface="Helvetica Neue"/>
-                <a:ea typeface="Helvetica Neue"/>
-                <a:cs typeface="Helvetica Neue"/>
-                <a:sym typeface="Helvetica Neue"/>
-              </a:defRPr>
-            </a:lvl8pPr>
-            <a:lvl9pPr marR="0" lvl="8" algn="l" rtl="0">
-              <a:lnSpc>
-                <a:spcPct val="100000"/>
-              </a:lnSpc>
-              <a:spcBef>
-                <a:spcPts val="2200"/>
-              </a:spcBef>
-              <a:spcAft>
-                <a:spcPts val="0"/>
-              </a:spcAft>
-              <a:buClr>
-                <a:srgbClr val="000000"/>
-              </a:buClr>
-              <a:buSzPts val="2400"/>
-              <a:buFont typeface="Helvetica Neue"/>
-              <a:buChar char="•"/>
-              <a:defRPr sz="2000" b="0" i="0" u="none" strike="noStrike" cap="none">
-                <a:solidFill>
-                  <a:srgbClr val="000000"/>
-                </a:solidFill>
-                <a:latin typeface="Helvetica Neue"/>
-                <a:ea typeface="Helvetica Neue"/>
-                <a:cs typeface="Helvetica Neue"/>
-                <a:sym typeface="Helvetica Neue"/>
-              </a:defRPr>
-            </a:lvl9pPr>
-          </a:lstStyle>
-          <a:p>
-            <a:endParaRPr/>
-          </a:p>
-        </p:txBody>
-      </p:sp>
-      <p:sp>
-        <p:nvSpPr>
-          <p:cNvPr id="89" name="Google Shape;89;p22"/>
-          <p:cNvSpPr>
-            <a:spLocks noGrp="1"/>
-          </p:cNvSpPr>
-          <p:nvPr>
-            <p:ph type="pic" idx="4"/>
-          </p:nvPr>
-        </p:nvSpPr>
-        <p:spPr>
-          <a:xfrm>
-            <a:off x="452438" y="423863"/>
-            <a:ext cx="5315100" cy="4300500"/>
-          </a:xfrm>
-          <a:prstGeom prst="rect">
-            <a:avLst/>
-          </a:prstGeom>
-          <a:noFill/>
-          <a:ln>
-            <a:noFill/>
-          </a:ln>
-        </p:spPr>
-        <p:txBody>
-          <a:bodyPr spcFirstLastPara="1" wrap="square" lIns="34275" tIns="17150" rIns="34275" bIns="17150" anchor="t" anchorCtr="0">
-            <a:noAutofit/>
-          </a:bodyPr>
-          <a:lstStyle>
-            <a:lvl1pPr marR="0" lvl="0" algn="l" rtl="0">
-              <a:lnSpc>
-                <a:spcPct val="100000"/>
-              </a:lnSpc>
-              <a:spcBef>
-                <a:spcPts val="2200"/>
-              </a:spcBef>
-              <a:spcAft>
-                <a:spcPts val="0"/>
-              </a:spcAft>
-              <a:buClr>
-                <a:srgbClr val="000000"/>
-              </a:buClr>
-              <a:buSzPts val="2400"/>
-              <a:buFont typeface="Helvetica Neue"/>
-              <a:buChar char="•"/>
-              <a:defRPr sz="2000" b="0" i="0" u="none" strike="noStrike" cap="none">
-                <a:solidFill>
-                  <a:srgbClr val="000000"/>
-                </a:solidFill>
-                <a:latin typeface="Helvetica Neue"/>
-                <a:ea typeface="Helvetica Neue"/>
-                <a:cs typeface="Helvetica Neue"/>
-                <a:sym typeface="Helvetica Neue"/>
-              </a:defRPr>
-            </a:lvl1pPr>
-            <a:lvl2pPr marR="0" lvl="1" algn="l" rtl="0">
-              <a:lnSpc>
-                <a:spcPct val="100000"/>
-              </a:lnSpc>
-              <a:spcBef>
-                <a:spcPts val="2200"/>
-              </a:spcBef>
-              <a:spcAft>
-                <a:spcPts val="0"/>
-              </a:spcAft>
-              <a:buClr>
-                <a:srgbClr val="000000"/>
-              </a:buClr>
-              <a:buSzPts val="2400"/>
-              <a:buFont typeface="Helvetica Neue"/>
-              <a:buChar char="•"/>
-              <a:defRPr sz="2000" b="0" i="0" u="none" strike="noStrike" cap="none">
-                <a:solidFill>
-                  <a:srgbClr val="000000"/>
-                </a:solidFill>
-                <a:latin typeface="Helvetica Neue"/>
-                <a:ea typeface="Helvetica Neue"/>
-                <a:cs typeface="Helvetica Neue"/>
-                <a:sym typeface="Helvetica Neue"/>
-              </a:defRPr>
-            </a:lvl2pPr>
-            <a:lvl3pPr marR="0" lvl="2" algn="l" rtl="0">
-              <a:lnSpc>
-                <a:spcPct val="100000"/>
-              </a:lnSpc>
-              <a:spcBef>
-                <a:spcPts val="2200"/>
-              </a:spcBef>
-              <a:spcAft>
-                <a:spcPts val="0"/>
-              </a:spcAft>
-              <a:buClr>
-                <a:srgbClr val="000000"/>
-              </a:buClr>
-              <a:buSzPts val="2400"/>
-              <a:buFont typeface="Helvetica Neue"/>
-              <a:buChar char="•"/>
-              <a:defRPr sz="2000" b="0" i="0" u="none" strike="noStrike" cap="none">
-                <a:solidFill>
-                  <a:srgbClr val="000000"/>
-                </a:solidFill>
-                <a:latin typeface="Helvetica Neue"/>
-                <a:ea typeface="Helvetica Neue"/>
-                <a:cs typeface="Helvetica Neue"/>
-                <a:sym typeface="Helvetica Neue"/>
-              </a:defRPr>
-            </a:lvl3pPr>
-            <a:lvl4pPr marR="0" lvl="3" algn="l" rtl="0">
-              <a:lnSpc>
-                <a:spcPct val="100000"/>
-              </a:lnSpc>
-              <a:spcBef>
-                <a:spcPts val="2200"/>
-              </a:spcBef>
-              <a:spcAft>
-                <a:spcPts val="0"/>
-              </a:spcAft>
-              <a:buClr>
-                <a:srgbClr val="000000"/>
-              </a:buClr>
-              <a:buSzPts val="2400"/>
-              <a:buFont typeface="Helvetica Neue"/>
-              <a:buChar char="•"/>
-              <a:defRPr sz="2000" b="0" i="0" u="none" strike="noStrike" cap="none">
-                <a:solidFill>
-                  <a:srgbClr val="000000"/>
-                </a:solidFill>
-                <a:latin typeface="Helvetica Neue"/>
-                <a:ea typeface="Helvetica Neue"/>
-                <a:cs typeface="Helvetica Neue"/>
-                <a:sym typeface="Helvetica Neue"/>
-              </a:defRPr>
-            </a:lvl4pPr>
-            <a:lvl5pPr marR="0" lvl="4" algn="l" rtl="0">
-              <a:lnSpc>
-                <a:spcPct val="100000"/>
-              </a:lnSpc>
-              <a:spcBef>
-                <a:spcPts val="2200"/>
-              </a:spcBef>
-              <a:spcAft>
-                <a:spcPts val="0"/>
-              </a:spcAft>
-              <a:buClr>
-                <a:srgbClr val="000000"/>
-              </a:buClr>
-              <a:buSzPts val="2400"/>
-              <a:buFont typeface="Helvetica Neue"/>
-              <a:buChar char="•"/>
-              <a:defRPr sz="2000" b="0" i="0" u="none" strike="noStrike" cap="none">
-                <a:solidFill>
-                  <a:srgbClr val="000000"/>
-                </a:solidFill>
-                <a:latin typeface="Helvetica Neue"/>
-                <a:ea typeface="Helvetica Neue"/>
-                <a:cs typeface="Helvetica Neue"/>
-                <a:sym typeface="Helvetica Neue"/>
-              </a:defRPr>
-            </a:lvl5pPr>
-            <a:lvl6pPr marR="0" lvl="5" algn="l" rtl="0">
-              <a:lnSpc>
-                <a:spcPct val="100000"/>
-              </a:lnSpc>
-              <a:spcBef>
-                <a:spcPts val="2200"/>
-              </a:spcBef>
-              <a:spcAft>
-                <a:spcPts val="0"/>
-              </a:spcAft>
-              <a:buClr>
-                <a:srgbClr val="000000"/>
-              </a:buClr>
-              <a:buSzPts val="2400"/>
-              <a:buFont typeface="Helvetica Neue"/>
-              <a:buChar char="•"/>
-              <a:defRPr sz="2000" b="0" i="0" u="none" strike="noStrike" cap="none">
-                <a:solidFill>
-                  <a:srgbClr val="000000"/>
-                </a:solidFill>
-                <a:latin typeface="Helvetica Neue"/>
-                <a:ea typeface="Helvetica Neue"/>
-                <a:cs typeface="Helvetica Neue"/>
-                <a:sym typeface="Helvetica Neue"/>
-              </a:defRPr>
-            </a:lvl6pPr>
-            <a:lvl7pPr marR="0" lvl="6" algn="l" rtl="0">
-              <a:lnSpc>
-                <a:spcPct val="100000"/>
-              </a:lnSpc>
-              <a:spcBef>
-                <a:spcPts val="2200"/>
-              </a:spcBef>
-              <a:spcAft>
-                <a:spcPts val="0"/>
-              </a:spcAft>
-              <a:buClr>
-                <a:srgbClr val="000000"/>
-              </a:buClr>
-              <a:buSzPts val="2400"/>
-              <a:buFont typeface="Helvetica Neue"/>
-              <a:buChar char="•"/>
-              <a:defRPr sz="2000" b="0" i="0" u="none" strike="noStrike" cap="none">
-                <a:solidFill>
-                  <a:srgbClr val="000000"/>
-                </a:solidFill>
-                <a:latin typeface="Helvetica Neue"/>
-                <a:ea typeface="Helvetica Neue"/>
-                <a:cs typeface="Helvetica Neue"/>
-                <a:sym typeface="Helvetica Neue"/>
-              </a:defRPr>
-            </a:lvl7pPr>
-            <a:lvl8pPr marR="0" lvl="7" algn="l" rtl="0">
-              <a:lnSpc>
-                <a:spcPct val="100000"/>
-              </a:lnSpc>
-              <a:spcBef>
-                <a:spcPts val="2200"/>
-              </a:spcBef>
-              <a:spcAft>
-                <a:spcPts val="0"/>
-              </a:spcAft>
-              <a:buClr>
-                <a:srgbClr val="000000"/>
-              </a:buClr>
-              <a:buSzPts val="2400"/>
-              <a:buFont typeface="Helvetica Neue"/>
-              <a:buChar char="•"/>
-              <a:defRPr sz="2000" b="0" i="0" u="none" strike="noStrike" cap="none">
-                <a:solidFill>
-                  <a:srgbClr val="000000"/>
-                </a:solidFill>
-                <a:latin typeface="Helvetica Neue"/>
-                <a:ea typeface="Helvetica Neue"/>
-                <a:cs typeface="Helvetica Neue"/>
-                <a:sym typeface="Helvetica Neue"/>
-              </a:defRPr>
-            </a:lvl8pPr>
-            <a:lvl9pPr marR="0" lvl="8" algn="l" rtl="0">
-              <a:lnSpc>
-                <a:spcPct val="100000"/>
-              </a:lnSpc>
-              <a:spcBef>
-                <a:spcPts val="2200"/>
-              </a:spcBef>
-              <a:spcAft>
-                <a:spcPts val="0"/>
-              </a:spcAft>
-              <a:buClr>
-                <a:srgbClr val="000000"/>
-              </a:buClr>
-              <a:buSzPts val="2400"/>
-              <a:buFont typeface="Helvetica Neue"/>
-              <a:buChar char="•"/>
-              <a:defRPr sz="2000" b="0" i="0" u="none" strike="noStrike" cap="none">
-                <a:solidFill>
-                  <a:srgbClr val="000000"/>
-                </a:solidFill>
-                <a:latin typeface="Helvetica Neue"/>
-                <a:ea typeface="Helvetica Neue"/>
-                <a:cs typeface="Helvetica Neue"/>
-                <a:sym typeface="Helvetica Neue"/>
-              </a:defRPr>
-            </a:lvl9pPr>
-          </a:lstStyle>
-          <a:p>
-            <a:endParaRPr/>
-          </a:p>
-        </p:txBody>
-      </p:sp>
-      <p:sp>
-        <p:nvSpPr>
-          <p:cNvPr id="90" name="Google Shape;90;p22"/>
-          <p:cNvSpPr txBox="1">
-            <a:spLocks noGrp="1"/>
-          </p:cNvSpPr>
-          <p:nvPr>
-            <p:ph type="sldNum" idx="12"/>
-          </p:nvPr>
-        </p:nvSpPr>
-        <p:spPr>
-          <a:xfrm>
-            <a:off x="4484637" y="4905375"/>
-            <a:ext cx="170100" cy="172800"/>
-          </a:xfrm>
-          <a:prstGeom prst="rect">
-            <a:avLst/>
-          </a:prstGeom>
-          <a:noFill/>
-          <a:ln>
-            <a:noFill/>
-          </a:ln>
-        </p:spPr>
-        <p:txBody>
-          <a:bodyPr spcFirstLastPara="1" wrap="square" lIns="19050" tIns="19050" rIns="19050" bIns="19050" anchor="t" anchorCtr="0">
-            <a:noAutofit/>
-          </a:bodyPr>
-          <a:lstStyle>
-            <a:lvl1pPr marL="0" lvl="0" indent="0" algn="ctr" rtl="0">
-              <a:lnSpc>
-                <a:spcPct val="100000"/>
-              </a:lnSpc>
-              <a:spcBef>
-                <a:spcPts val="0"/>
-              </a:spcBef>
-              <a:spcAft>
-                <a:spcPts val="0"/>
-              </a:spcAft>
-              <a:buClr>
-                <a:srgbClr val="000000"/>
-              </a:buClr>
-              <a:buSzPts val="900"/>
-              <a:buFont typeface="Helvetica Neue Light"/>
-              <a:buNone/>
-              <a:defRPr sz="900" b="0">
-                <a:latin typeface="Helvetica Neue Light"/>
-                <a:ea typeface="Helvetica Neue Light"/>
-                <a:cs typeface="Helvetica Neue Light"/>
-                <a:sym typeface="Helvetica Neue Light"/>
-              </a:defRPr>
-            </a:lvl1pPr>
-            <a:lvl2pPr marL="0" lvl="1" indent="0" algn="ctr" rtl="0">
-              <a:lnSpc>
-                <a:spcPct val="100000"/>
-              </a:lnSpc>
-              <a:spcBef>
-                <a:spcPts val="0"/>
-              </a:spcBef>
-              <a:spcAft>
-                <a:spcPts val="0"/>
-              </a:spcAft>
-              <a:buClr>
-                <a:srgbClr val="000000"/>
-              </a:buClr>
-              <a:buSzPts val="900"/>
-              <a:buFont typeface="Helvetica Neue Light"/>
-              <a:buNone/>
-              <a:defRPr sz="900" b="0">
-                <a:latin typeface="Helvetica Neue Light"/>
-                <a:ea typeface="Helvetica Neue Light"/>
-                <a:cs typeface="Helvetica Neue Light"/>
-                <a:sym typeface="Helvetica Neue Light"/>
-              </a:defRPr>
-            </a:lvl2pPr>
-            <a:lvl3pPr marL="0" lvl="2" indent="0" algn="ctr" rtl="0">
-              <a:lnSpc>
-                <a:spcPct val="100000"/>
-              </a:lnSpc>
-              <a:spcBef>
-                <a:spcPts val="0"/>
-              </a:spcBef>
-              <a:spcAft>
-                <a:spcPts val="0"/>
-              </a:spcAft>
-              <a:buClr>
-                <a:srgbClr val="000000"/>
-              </a:buClr>
-              <a:buSzPts val="900"/>
-              <a:buFont typeface="Helvetica Neue Light"/>
-              <a:buNone/>
-              <a:defRPr sz="900" b="0">
-                <a:latin typeface="Helvetica Neue Light"/>
-                <a:ea typeface="Helvetica Neue Light"/>
-                <a:cs typeface="Helvetica Neue Light"/>
-                <a:sym typeface="Helvetica Neue Light"/>
-              </a:defRPr>
-            </a:lvl3pPr>
-            <a:lvl4pPr marL="0" lvl="3" indent="0" algn="ctr" rtl="0">
-              <a:lnSpc>
-                <a:spcPct val="100000"/>
-              </a:lnSpc>
-              <a:spcBef>
-                <a:spcPts val="0"/>
-              </a:spcBef>
-              <a:spcAft>
-                <a:spcPts val="0"/>
-              </a:spcAft>
-              <a:buClr>
-                <a:srgbClr val="000000"/>
-              </a:buClr>
-              <a:buSzPts val="900"/>
-              <a:buFont typeface="Helvetica Neue Light"/>
-              <a:buNone/>
-              <a:defRPr sz="900" b="0">
-                <a:latin typeface="Helvetica Neue Light"/>
-                <a:ea typeface="Helvetica Neue Light"/>
-                <a:cs typeface="Helvetica Neue Light"/>
-                <a:sym typeface="Helvetica Neue Light"/>
-              </a:defRPr>
-            </a:lvl4pPr>
-            <a:lvl5pPr marL="0" lvl="4" indent="0" algn="ctr" rtl="0">
-              <a:lnSpc>
-                <a:spcPct val="100000"/>
-              </a:lnSpc>
-              <a:spcBef>
-                <a:spcPts val="0"/>
-              </a:spcBef>
-              <a:spcAft>
-                <a:spcPts val="0"/>
-              </a:spcAft>
-              <a:buClr>
-                <a:srgbClr val="000000"/>
-              </a:buClr>
-              <a:buSzPts val="900"/>
-              <a:buFont typeface="Helvetica Neue Light"/>
-              <a:buNone/>
-              <a:defRPr sz="900" b="0">
-                <a:latin typeface="Helvetica Neue Light"/>
-                <a:ea typeface="Helvetica Neue Light"/>
-                <a:cs typeface="Helvetica Neue Light"/>
-                <a:sym typeface="Helvetica Neue Light"/>
-              </a:defRPr>
-            </a:lvl5pPr>
-            <a:lvl6pPr marL="0" lvl="5" indent="0" algn="ctr" rtl="0">
-              <a:lnSpc>
-                <a:spcPct val="100000"/>
-              </a:lnSpc>
-              <a:spcBef>
-                <a:spcPts val="0"/>
-              </a:spcBef>
-              <a:spcAft>
-                <a:spcPts val="0"/>
-              </a:spcAft>
-              <a:buClr>
-                <a:srgbClr val="000000"/>
-              </a:buClr>
-              <a:buSzPts val="900"/>
-              <a:buFont typeface="Helvetica Neue Light"/>
-              <a:buNone/>
-              <a:defRPr sz="900" b="0">
-                <a:latin typeface="Helvetica Neue Light"/>
-                <a:ea typeface="Helvetica Neue Light"/>
-                <a:cs typeface="Helvetica Neue Light"/>
-                <a:sym typeface="Helvetica Neue Light"/>
-              </a:defRPr>
-            </a:lvl6pPr>
-            <a:lvl7pPr marL="0" lvl="6" indent="0" algn="ctr" rtl="0">
-              <a:lnSpc>
-                <a:spcPct val="100000"/>
-              </a:lnSpc>
-              <a:spcBef>
-                <a:spcPts val="0"/>
-              </a:spcBef>
-              <a:spcAft>
-                <a:spcPts val="0"/>
-              </a:spcAft>
-              <a:buClr>
-                <a:srgbClr val="000000"/>
-              </a:buClr>
-              <a:buSzPts val="900"/>
-              <a:buFont typeface="Helvetica Neue Light"/>
-              <a:buNone/>
-              <a:defRPr sz="900" b="0">
-                <a:latin typeface="Helvetica Neue Light"/>
-                <a:ea typeface="Helvetica Neue Light"/>
-                <a:cs typeface="Helvetica Neue Light"/>
-                <a:sym typeface="Helvetica Neue Light"/>
-              </a:defRPr>
-            </a:lvl7pPr>
-            <a:lvl8pPr marL="0" lvl="7" indent="0" algn="ctr" rtl="0">
-              <a:lnSpc>
-                <a:spcPct val="100000"/>
-              </a:lnSpc>
-              <a:spcBef>
-                <a:spcPts val="0"/>
-              </a:spcBef>
-              <a:spcAft>
-                <a:spcPts val="0"/>
-              </a:spcAft>
-              <a:buClr>
-                <a:srgbClr val="000000"/>
-              </a:buClr>
-              <a:buSzPts val="900"/>
-              <a:buFont typeface="Helvetica Neue Light"/>
-              <a:buNone/>
-              <a:defRPr sz="900" b="0">
-                <a:latin typeface="Helvetica Neue Light"/>
-                <a:ea typeface="Helvetica Neue Light"/>
-                <a:cs typeface="Helvetica Neue Light"/>
-                <a:sym typeface="Helvetica Neue Light"/>
-              </a:defRPr>
-            </a:lvl8pPr>
-            <a:lvl9pPr marL="0" lvl="8" indent="0" algn="ctr" rtl="0">
-              <a:lnSpc>
-                <a:spcPct val="100000"/>
-              </a:lnSpc>
-              <a:spcBef>
-                <a:spcPts val="0"/>
-              </a:spcBef>
-              <a:spcAft>
-                <a:spcPts val="0"/>
-              </a:spcAft>
-              <a:buClr>
-                <a:srgbClr val="000000"/>
-              </a:buClr>
-              <a:buSzPts val="900"/>
-              <a:buFont typeface="Helvetica Neue Light"/>
-              <a:buNone/>
-              <a:defRPr sz="900" b="0">
-                <a:latin typeface="Helvetica Neue Light"/>
-                <a:ea typeface="Helvetica Neue Light"/>
-                <a:cs typeface="Helvetica Neue Light"/>
-                <a:sym typeface="Helvetica Neue Light"/>
-              </a:defRPr>
-            </a:lvl9pPr>
-          </a:lstStyle>
-          <a:p>
-            <a:pPr marL="0" lvl="0" indent="0" algn="ctr" rtl="0">
-              <a:spcBef>
-                <a:spcPts val="0"/>
-              </a:spcBef>
-              <a:spcAft>
-                <a:spcPts val="0"/>
-              </a:spcAft>
-              <a:buNone/>
-            </a:pPr>
-            <a:fld id="{00000000-1234-1234-1234-123412341234}" type="slidenum">
-              <a:rPr lang="en"/>
-              <a:t>‹#›</a:t>
-            </a:fld>
-            <a:endParaRPr/>
-          </a:p>
-        </p:txBody>
-      </p:sp>
-    </p:spTree>
-  </p:cSld>
-  <p:clrMapOvr>
-    <a:masterClrMapping/>
-  </p:clrMapOvr>
-</p:sldLayout>
-</file>
-
-<file path=ppt/slideLayouts/slideLayout21.xml><?xml version="1.0" encoding="utf-8"?>
 <p:sldLayout xmlns:a="http://schemas.openxmlformats.org/drawingml/2006/main" xmlns:r="http://schemas.openxmlformats.org/officeDocument/2006/relationships" xmlns:p="http://schemas.openxmlformats.org/presentationml/2006/main" matchingName="引文">
   <p:cSld name="引文">
     <p:spTree>
@@ -9686,7 +8870,7 @@
 </p:sldLayout>
 </file>
 
-<file path=ppt/slideLayouts/slideLayout22.xml><?xml version="1.0" encoding="utf-8"?>
+<file path=ppt/slideLayouts/slideLayout21.xml><?xml version="1.0" encoding="utf-8"?>
 <p:sldLayout xmlns:a="http://schemas.openxmlformats.org/drawingml/2006/main" xmlns:r="http://schemas.openxmlformats.org/officeDocument/2006/relationships" xmlns:p="http://schemas.openxmlformats.org/presentationml/2006/main" matchingName="照片">
   <p:cSld name="照片">
     <p:spTree>
@@ -10233,7 +9417,7 @@
 </p:sldLayout>
 </file>
 
-<file path=ppt/slideLayouts/slideLayout23.xml><?xml version="1.0" encoding="utf-8"?>
+<file path=ppt/slideLayouts/slideLayout22.xml><?xml version="1.0" encoding="utf-8"?>
 <p:sldLayout xmlns:a="http://schemas.openxmlformats.org/drawingml/2006/main" xmlns:r="http://schemas.openxmlformats.org/officeDocument/2006/relationships" xmlns:p="http://schemas.openxmlformats.org/presentationml/2006/main" matchingName="空白">
   <p:cSld name="空白">
     <p:spTree>
@@ -15023,17 +14207,16 @@
   <p:clrMap bg1="lt1" tx1="dk1" bg2="dk2" tx2="lt2" accent1="accent1" accent2="accent2" accent3="accent3" accent4="accent4" accent5="accent5" accent6="accent6" hlink="hlink" folHlink="folHlink"/>
   <p:sldLayoutIdLst>
     <p:sldLayoutId id="2147483659" r:id="rId1"/>
-    <p:sldLayoutId id="2147483660" r:id="rId2"/>
-    <p:sldLayoutId id="2147483661" r:id="rId3"/>
-    <p:sldLayoutId id="2147483662" r:id="rId4"/>
-    <p:sldLayoutId id="2147483663" r:id="rId5"/>
-    <p:sldLayoutId id="2147483664" r:id="rId6"/>
-    <p:sldLayoutId id="2147483665" r:id="rId7"/>
-    <p:sldLayoutId id="2147483666" r:id="rId8"/>
-    <p:sldLayoutId id="2147483667" r:id="rId9"/>
-    <p:sldLayoutId id="2147483668" r:id="rId10"/>
-    <p:sldLayoutId id="2147483669" r:id="rId11"/>
-    <p:sldLayoutId id="2147483670" r:id="rId12"/>
+    <p:sldLayoutId id="2147483661" r:id="rId2"/>
+    <p:sldLayoutId id="2147483662" r:id="rId3"/>
+    <p:sldLayoutId id="2147483663" r:id="rId4"/>
+    <p:sldLayoutId id="2147483664" r:id="rId5"/>
+    <p:sldLayoutId id="2147483665" r:id="rId6"/>
+    <p:sldLayoutId id="2147483666" r:id="rId7"/>
+    <p:sldLayoutId id="2147483667" r:id="rId8"/>
+    <p:sldLayoutId id="2147483668" r:id="rId9"/>
+    <p:sldLayoutId id="2147483669" r:id="rId10"/>
+    <p:sldLayoutId id="2147483670" r:id="rId11"/>
   </p:sldLayoutIdLst>
   <p:hf sldNum="0" hdr="0" ftr="0" dt="0"/>
   <p:txStyles>
@@ -16008,8 +15191,8 @@
         </p:nvSpPr>
         <p:spPr>
           <a:xfrm>
-            <a:off x="4922919" y="3060959"/>
-            <a:ext cx="723275" cy="307777"/>
+            <a:off x="5205006" y="3007435"/>
+            <a:ext cx="1550213" cy="523220"/>
           </a:xfrm>
           <a:prstGeom prst="rect">
             <a:avLst/>
@@ -16026,6 +15209,11 @@
               <a:rPr lang="zh-CN" altLang="en-US" dirty="0"/>
               <a:t>黄炜杰</a:t>
             </a:r>
+            <a:r>
+              <a:rPr lang="en-US" altLang="zh-CN" dirty="0"/>
+              <a:t>2017211483</a:t>
+            </a:r>
+            <a:endParaRPr lang="zh-CN" altLang="en-US" dirty="0"/>
           </a:p>
         </p:txBody>
       </p:sp>
@@ -16089,8 +15277,8 @@
         </p:nvSpPr>
         <p:spPr>
           <a:xfrm>
-            <a:off x="518425" y="1125075"/>
-            <a:ext cx="6948900" cy="3496500"/>
+            <a:off x="518424" y="1125075"/>
+            <a:ext cx="7030691" cy="3581604"/>
           </a:xfrm>
           <a:prstGeom prst="rect">
             <a:avLst/>
@@ -16116,6 +15304,242 @@
               <a:spcAft>
                 <a:spcPts val="0"/>
               </a:spcAft>
+              <a:buClr>
+                <a:srgbClr val="3A5BAE"/>
+              </a:buClr>
+              <a:buSzPts val="2400"/>
+              <a:buChar char="❏"/>
+            </a:pPr>
+            <a:r>
+              <a:rPr lang="zh-CN" altLang="en-US" sz="2400" dirty="0">
+                <a:solidFill>
+                  <a:srgbClr val="3A5BAE"/>
+                </a:solidFill>
+              </a:rPr>
+              <a:t>单人完成，没有组队，实现的功能如下</a:t>
+            </a:r>
+            <a:endParaRPr lang="zh-CN" altLang="en-US" sz="1800" dirty="0">
+              <a:solidFill>
+                <a:srgbClr val="3A5BAE"/>
+              </a:solidFill>
+            </a:endParaRPr>
+          </a:p>
+          <a:p>
+            <a:pPr marL="914400" lvl="1" indent="-342900">
+              <a:lnSpc>
+                <a:spcPct val="150000"/>
+              </a:lnSpc>
+              <a:buClr>
+                <a:srgbClr val="3A5BAE"/>
+              </a:buClr>
+              <a:buSzPts val="1800"/>
+              <a:buChar char="❏"/>
+            </a:pPr>
+            <a:r>
+              <a:rPr lang="zh-CN" altLang="en-US" sz="1800" dirty="0">
+                <a:solidFill>
+                  <a:srgbClr val="3A5BAE"/>
+                </a:solidFill>
+              </a:rPr>
+              <a:t>视频信息流列表显示，采用</a:t>
+            </a:r>
+            <a:r>
+              <a:rPr lang="en-US" altLang="zh-CN" sz="1800" dirty="0">
+                <a:solidFill>
+                  <a:srgbClr val="3A5BAE"/>
+                </a:solidFill>
+              </a:rPr>
+              <a:t>ViewPager2</a:t>
+            </a:r>
+            <a:r>
+              <a:rPr lang="zh-CN" altLang="en-US" sz="1800" dirty="0">
+                <a:solidFill>
+                  <a:srgbClr val="3A5BAE"/>
+                </a:solidFill>
+              </a:rPr>
+              <a:t>实现，类似抖音全屏</a:t>
+            </a:r>
+            <a:r>
+              <a:rPr lang="en-US" altLang="zh-CN" sz="1800" dirty="0">
+                <a:solidFill>
+                  <a:srgbClr val="3A5BAE"/>
+                </a:solidFill>
+              </a:rPr>
+              <a:t>item</a:t>
+            </a:r>
+            <a:endParaRPr lang="zh-CN" altLang="en-US" sz="1800" dirty="0">
+              <a:solidFill>
+                <a:srgbClr val="3A5BAE"/>
+              </a:solidFill>
+            </a:endParaRPr>
+          </a:p>
+          <a:p>
+            <a:pPr marL="914400" lvl="1" indent="-342900">
+              <a:lnSpc>
+                <a:spcPct val="150000"/>
+              </a:lnSpc>
+              <a:buClr>
+                <a:srgbClr val="3A5BAE"/>
+              </a:buClr>
+              <a:buSzPts val="1800"/>
+              <a:buChar char="❏"/>
+            </a:pPr>
+            <a:r>
+              <a:rPr lang="zh-CN" altLang="en-US" sz="1800" dirty="0">
+                <a:solidFill>
+                  <a:srgbClr val="3A5BAE"/>
+                </a:solidFill>
+              </a:rPr>
+              <a:t>视频播放</a:t>
+            </a:r>
+          </a:p>
+          <a:p>
+            <a:pPr marL="914400" lvl="1" indent="-342900">
+              <a:lnSpc>
+                <a:spcPct val="150000"/>
+              </a:lnSpc>
+              <a:buClr>
+                <a:srgbClr val="3A5BAE"/>
+              </a:buClr>
+              <a:buSzPts val="1800"/>
+              <a:buChar char="❏"/>
+            </a:pPr>
+            <a:r>
+              <a:rPr lang="zh-CN" altLang="en-US" sz="1800" dirty="0">
+                <a:solidFill>
+                  <a:srgbClr val="3A5BAE"/>
+                </a:solidFill>
+              </a:rPr>
+              <a:t>视频拍摄录制</a:t>
+            </a:r>
+            <a:endParaRPr lang="en-US" altLang="zh-CN" sz="1800" dirty="0">
+              <a:solidFill>
+                <a:srgbClr val="3A5BAE"/>
+              </a:solidFill>
+            </a:endParaRPr>
+          </a:p>
+          <a:p>
+            <a:pPr marL="914400" lvl="1" indent="-342900">
+              <a:lnSpc>
+                <a:spcPct val="150000"/>
+              </a:lnSpc>
+              <a:buClr>
+                <a:srgbClr val="3A5BAE"/>
+              </a:buClr>
+              <a:buSzPts val="1800"/>
+              <a:buFont typeface="Arial"/>
+              <a:buChar char="❏"/>
+            </a:pPr>
+            <a:r>
+              <a:rPr lang="zh-CN" altLang="en-US" sz="1800" dirty="0">
+                <a:solidFill>
+                  <a:srgbClr val="3A5BAE"/>
+                </a:solidFill>
+              </a:rPr>
+              <a:t>从视频信息流点击某个视频封面进入播放页面</a:t>
+            </a:r>
+            <a:endParaRPr lang="en-US" altLang="zh-CN" sz="1800" dirty="0">
+              <a:solidFill>
+                <a:srgbClr val="3A5BAE"/>
+              </a:solidFill>
+            </a:endParaRPr>
+          </a:p>
+          <a:p>
+            <a:pPr marL="914400" lvl="1" indent="-342900">
+              <a:lnSpc>
+                <a:spcPct val="150000"/>
+              </a:lnSpc>
+              <a:buClr>
+                <a:srgbClr val="3A5BAE"/>
+              </a:buClr>
+              <a:buSzPts val="1800"/>
+              <a:buFont typeface="Arial"/>
+              <a:buChar char="❏"/>
+            </a:pPr>
+            <a:r>
+              <a:rPr lang="zh-CN" altLang="en-US" sz="1800" dirty="0">
+                <a:solidFill>
+                  <a:srgbClr val="3A5BAE"/>
+                </a:solidFill>
+              </a:rPr>
+              <a:t>根据视频信息的</a:t>
+            </a:r>
+            <a:r>
+              <a:rPr lang="en-US" altLang="zh-CN" sz="1800" dirty="0" err="1">
+                <a:solidFill>
+                  <a:srgbClr val="3A5BAE"/>
+                </a:solidFill>
+              </a:rPr>
+              <a:t>url</a:t>
+            </a:r>
+            <a:r>
+              <a:rPr lang="zh-CN" altLang="en-US" sz="1800" dirty="0">
+                <a:solidFill>
+                  <a:srgbClr val="3A5BAE"/>
+                </a:solidFill>
+              </a:rPr>
+              <a:t>播放视频</a:t>
+            </a:r>
+          </a:p>
+          <a:p>
+            <a:pPr marL="914400" lvl="1" indent="-342900">
+              <a:lnSpc>
+                <a:spcPct val="150000"/>
+              </a:lnSpc>
+              <a:buClr>
+                <a:srgbClr val="3A5BAE"/>
+              </a:buClr>
+              <a:buSzPts val="1800"/>
+              <a:buFont typeface="Arial"/>
+              <a:buChar char="❏"/>
+            </a:pPr>
+            <a:r>
+              <a:rPr lang="zh-CN" altLang="en-US" sz="1800" dirty="0">
+                <a:solidFill>
+                  <a:srgbClr val="3A5BAE"/>
+                </a:solidFill>
+              </a:rPr>
+              <a:t>单击视频窗口暂停</a:t>
+            </a:r>
+            <a:r>
+              <a:rPr lang="en-US" altLang="zh-CN" sz="1800" dirty="0">
+                <a:solidFill>
+                  <a:srgbClr val="3A5BAE"/>
+                </a:solidFill>
+              </a:rPr>
+              <a:t>/</a:t>
+            </a:r>
+            <a:r>
+              <a:rPr lang="zh-CN" altLang="en-US" sz="1800" dirty="0">
+                <a:solidFill>
+                  <a:srgbClr val="3A5BAE"/>
+                </a:solidFill>
+              </a:rPr>
+              <a:t>继续，双击视频窗口弹出点赞爱心图标</a:t>
+            </a:r>
+          </a:p>
+          <a:p>
+            <a:pPr marL="914400" lvl="1" indent="-342900">
+              <a:lnSpc>
+                <a:spcPct val="150000"/>
+              </a:lnSpc>
+              <a:buClr>
+                <a:srgbClr val="3A5BAE"/>
+              </a:buClr>
+              <a:buSzPts val="1800"/>
+              <a:buChar char="❏"/>
+            </a:pPr>
+            <a:endParaRPr lang="zh-CN" altLang="en-US" sz="1800" dirty="0">
+              <a:solidFill>
+                <a:srgbClr val="3A5BAE"/>
+              </a:solidFill>
+            </a:endParaRPr>
+          </a:p>
+          <a:p>
+            <a:pPr marL="457200" lvl="1" indent="-381000">
+              <a:lnSpc>
+                <a:spcPct val="150000"/>
+              </a:lnSpc>
               <a:buClr>
                 <a:srgbClr val="3A5BAE"/>
               </a:buClr>
@@ -16290,142 +15714,37 @@
               <a:buChar char="❏"/>
             </a:pPr>
             <a:r>
-              <a:rPr lang="zh-CN" altLang="en-US" sz="1800" dirty="0">
+              <a:rPr lang="zh-CN" altLang="en-US" sz="2400" dirty="0">
                 <a:solidFill>
                   <a:srgbClr val="3A5BAE"/>
                 </a:solidFill>
               </a:rPr>
-              <a:t>参考第五讲网络的第二个作业</a:t>
-            </a:r>
-          </a:p>
-          <a:p>
-            <a:pPr marL="457200" lvl="0" indent="-342900" algn="l" rtl="0">
-              <a:lnSpc>
-                <a:spcPct val="150000"/>
-              </a:lnSpc>
-              <a:spcBef>
-                <a:spcPts val="0"/>
-              </a:spcBef>
-              <a:spcAft>
-                <a:spcPts val="0"/>
-              </a:spcAft>
-              <a:buClr>
-                <a:srgbClr val="3A5BAE"/>
-              </a:buClr>
-              <a:buSzPts val="1800"/>
-              <a:buChar char="❏"/>
-            </a:pPr>
-            <a:r>
-              <a:rPr lang="zh-CN" altLang="en-US" sz="1800" dirty="0">
-                <a:solidFill>
-                  <a:srgbClr val="3A5BAE"/>
-                </a:solidFill>
-              </a:rPr>
-              <a:t>必须要完成的功能：</a:t>
-            </a:r>
-          </a:p>
-          <a:p>
-            <a:pPr marL="914400" lvl="1" indent="-342900">
-              <a:lnSpc>
-                <a:spcPct val="150000"/>
-              </a:lnSpc>
-              <a:buClr>
-                <a:srgbClr val="3A5BAE"/>
-              </a:buClr>
-              <a:buSzPts val="1800"/>
-              <a:buChar char="❏"/>
-            </a:pPr>
-            <a:r>
-              <a:rPr lang="en-US" altLang="zh-CN" sz="1800" dirty="0">
-                <a:solidFill>
-                  <a:srgbClr val="3A5BAE"/>
-                </a:solidFill>
-              </a:rPr>
-              <a:t>API:</a:t>
+              <a:t>通过</a:t>
             </a:r>
             <a:r>
-              <a:rPr lang="zh-CN" altLang="en-US" sz="1800" dirty="0">
+              <a:rPr lang="en-US" altLang="zh-CN" sz="2400" dirty="0" err="1">
                 <a:solidFill>
                   <a:srgbClr val="3A5BAE"/>
                 </a:solidFill>
               </a:rPr>
-              <a:t>  </a:t>
+              <a:t>ImageView</a:t>
             </a:r>
             <a:r>
-              <a:rPr lang="en-US" altLang="zh-CN" dirty="0">
-                <a:hlinkClick r:id="rId4"/>
+              <a:rPr lang="zh-CN" altLang="en-US" sz="2400" dirty="0">
+                <a:solidFill>
+                  <a:srgbClr val="3A5BAE"/>
+                </a:solidFill>
               </a:rPr>
-              <a:t>https://beiyou.bytedance.com/api/invoke/video/invoke/video</a:t>
+              <a:t>的属性动画实现了类似抖音的点赞爱心特效</a:t>
             </a:r>
-            <a:endParaRPr lang="zh-CN" altLang="en-US" dirty="0"/>
-          </a:p>
-          <a:p>
-            <a:pPr marL="914400" lvl="1" indent="-342900">
-              <a:lnSpc>
-                <a:spcPct val="150000"/>
-              </a:lnSpc>
-              <a:buClr>
-                <a:srgbClr val="3A5BAE"/>
-              </a:buClr>
-              <a:buSzPts val="1800"/>
-              <a:buChar char="❏"/>
-            </a:pPr>
-            <a:r>
-              <a:rPr lang="zh-CN" altLang="en-US" sz="1800" dirty="0">
-                <a:solidFill>
-                  <a:srgbClr val="3A5BAE"/>
-                </a:solidFill>
-              </a:rPr>
-              <a:t>使用</a:t>
-            </a:r>
-            <a:r>
-              <a:rPr lang="en-US" altLang="zh-CN" sz="1800" dirty="0" err="1">
-                <a:solidFill>
-                  <a:srgbClr val="3A5BAE"/>
-                </a:solidFill>
-              </a:rPr>
-              <a:t>RecyclerView</a:t>
-            </a:r>
-            <a:r>
-              <a:rPr lang="zh-CN" altLang="en-US" sz="1800" dirty="0">
-                <a:solidFill>
-                  <a:srgbClr val="3A5BAE"/>
-                </a:solidFill>
-              </a:rPr>
-              <a:t>显示视频列表 </a:t>
-            </a:r>
-            <a:r>
-              <a:rPr lang="en-US" altLang="zh-CN" sz="1800" dirty="0">
-                <a:solidFill>
-                  <a:srgbClr val="3A5BAE"/>
-                </a:solidFill>
-              </a:rPr>
-              <a:t>(</a:t>
-            </a:r>
-            <a:r>
-              <a:rPr lang="zh-CN" altLang="en-US" sz="1800" dirty="0">
-                <a:solidFill>
-                  <a:srgbClr val="3A5BAE"/>
-                </a:solidFill>
-              </a:rPr>
-              <a:t>一页显示多个</a:t>
-            </a:r>
-            <a:r>
-              <a:rPr lang="en-US" altLang="zh-CN" sz="1800" dirty="0">
-                <a:solidFill>
-                  <a:srgbClr val="3A5BAE"/>
-                </a:solidFill>
-              </a:rPr>
-              <a:t>item)</a:t>
-            </a:r>
-            <a:endParaRPr lang="zh-CN" altLang="en-US" sz="1800" dirty="0">
+            <a:endParaRPr lang="en-US" altLang="zh-CN" sz="2400" dirty="0">
               <a:solidFill>
                 <a:srgbClr val="3A5BAE"/>
               </a:solidFill>
             </a:endParaRPr>
           </a:p>
           <a:p>
-            <a:pPr marL="914400" lvl="1" indent="-342900" algn="l" rtl="0">
+            <a:pPr marL="457200" lvl="0" indent="-342900" algn="l" rtl="0">
               <a:lnSpc>
                 <a:spcPct val="150000"/>
               </a:lnSpc>
@@ -16442,41 +15761,40 @@
               <a:buChar char="❏"/>
             </a:pPr>
             <a:r>
-              <a:rPr lang="zh-CN" altLang="en-US" sz="1800" dirty="0">
+              <a:rPr lang="zh-CN" altLang="en-US" sz="2400" dirty="0">
                 <a:solidFill>
                   <a:srgbClr val="3A5BAE"/>
                 </a:solidFill>
               </a:rPr>
-              <a:t>使用</a:t>
+              <a:t>通过隐式</a:t>
             </a:r>
             <a:r>
-              <a:rPr lang="en-US" altLang="zh-CN" sz="1800" dirty="0">
+              <a:rPr lang="en-US" altLang="zh-CN" sz="2400" dirty="0">
                 <a:solidFill>
                   <a:srgbClr val="3A5BAE"/>
                 </a:solidFill>
               </a:rPr>
-              <a:t>Glide</a:t>
+              <a:t>Intent</a:t>
             </a:r>
             <a:r>
-              <a:rPr lang="zh-CN" altLang="en-US" sz="1800" dirty="0">
+              <a:rPr lang="zh-CN" altLang="en-US" sz="2400" dirty="0">
                 <a:solidFill>
                   <a:srgbClr val="3A5BAE"/>
                 </a:solidFill>
               </a:rPr>
-              <a:t>加载封面图</a:t>
+              <a:t>调用系统相机完成了视频拍摄录制功能</a:t>
             </a:r>
+            <a:endParaRPr lang="en-US" altLang="zh-CN" sz="2400" dirty="0">
+              <a:solidFill>
+                <a:srgbClr val="3A5BAE"/>
+              </a:solidFill>
+            </a:endParaRPr>
           </a:p>
           <a:p>
-            <a:pPr marL="457200" lvl="0" indent="-342900" algn="l" rtl="0">
+            <a:pPr marL="457200" lvl="0" indent="-342900">
               <a:lnSpc>
                 <a:spcPct val="150000"/>
               </a:lnSpc>
-              <a:spcBef>
-                <a:spcPts val="0"/>
-              </a:spcBef>
-              <a:spcAft>
-                <a:spcPts val="0"/>
-              </a:spcAft>
               <a:buClr>
                 <a:srgbClr val="3A5BAE"/>
               </a:buClr>
@@ -16484,16 +15802,37 @@
               <a:buChar char="❏"/>
             </a:pPr>
             <a:r>
-              <a:rPr lang="zh-CN" altLang="en-US" sz="1800" dirty="0">
+              <a:rPr lang="zh-CN" altLang="en-US" sz="2400" dirty="0">
                 <a:solidFill>
                   <a:srgbClr val="3A5BAE"/>
                 </a:solidFill>
               </a:rPr>
-              <a:t>可选功能：</a:t>
+              <a:t>通过</a:t>
             </a:r>
+            <a:r>
+              <a:rPr lang="en-US" altLang="zh-CN" sz="2400" dirty="0" err="1">
+                <a:solidFill>
+                  <a:srgbClr val="3A5BAE"/>
+                </a:solidFill>
+              </a:rPr>
+              <a:t>GestureDetector</a:t>
+            </a:r>
+            <a:r>
+              <a:rPr lang="zh-CN" altLang="en-US" sz="2400" dirty="0">
+                <a:solidFill>
+                  <a:srgbClr val="3A5BAE"/>
+                </a:solidFill>
+              </a:rPr>
+              <a:t>进行手势检测，区别单击和双击事件</a:t>
+            </a:r>
+            <a:endParaRPr lang="en-US" altLang="zh-CN" sz="2400" dirty="0">
+              <a:solidFill>
+                <a:srgbClr val="3A5BAE"/>
+              </a:solidFill>
+            </a:endParaRPr>
           </a:p>
           <a:p>
-            <a:pPr marL="914400" lvl="1" indent="-342900" algn="l" rtl="0">
+            <a:pPr marL="457200" lvl="0" indent="-342900" algn="l" rtl="0">
               <a:lnSpc>
                 <a:spcPct val="150000"/>
               </a:lnSpc>
@@ -16509,88 +15848,11 @@
               <a:buSzPts val="1800"/>
               <a:buChar char="❏"/>
             </a:pPr>
-            <a:r>
-              <a:rPr lang="zh-CN" altLang="en-US" sz="1800" dirty="0">
-                <a:solidFill>
-                  <a:srgbClr val="3A5BAE"/>
-                </a:solidFill>
-              </a:rPr>
-              <a:t>显示每个视频必要的信息（比如作者，时间等）</a:t>
-            </a:r>
-          </a:p>
-          <a:p>
-            <a:pPr marL="914400" lvl="1" indent="-342900" algn="l" rtl="0">
-              <a:lnSpc>
-                <a:spcPct val="150000"/>
-              </a:lnSpc>
-              <a:spcBef>
-                <a:spcPts val="0"/>
-              </a:spcBef>
-              <a:spcAft>
-                <a:spcPts val="0"/>
-              </a:spcAft>
-              <a:buClr>
+            <a:endParaRPr lang="zh-CN" altLang="en-US" sz="1800" dirty="0">
+              <a:solidFill>
                 <a:srgbClr val="3A5BAE"/>
-              </a:buClr>
-              <a:buSzPts val="1800"/>
-              <a:buChar char="❏"/>
-            </a:pPr>
-            <a:r>
-              <a:rPr lang="zh-CN" altLang="en-US" sz="1800" dirty="0">
-                <a:solidFill>
-                  <a:srgbClr val="3A5BAE"/>
-                </a:solidFill>
-              </a:rPr>
-              <a:t>可以改成类似抖音全屏</a:t>
-            </a:r>
-            <a:r>
-              <a:rPr lang="en-US" altLang="zh-CN" sz="1800" dirty="0">
-                <a:solidFill>
-                  <a:srgbClr val="3A5BAE"/>
-                </a:solidFill>
-              </a:rPr>
-              <a:t>item(</a:t>
-            </a:r>
-            <a:r>
-              <a:rPr lang="zh-CN" altLang="en-US" sz="1800" dirty="0">
-                <a:solidFill>
-                  <a:srgbClr val="3A5BAE"/>
-                </a:solidFill>
-              </a:rPr>
-              <a:t>即一页就一个</a:t>
-            </a:r>
-            <a:r>
-              <a:rPr lang="en-US" altLang="zh-CN" sz="1800" dirty="0">
-                <a:solidFill>
-                  <a:srgbClr val="3A5BAE"/>
-                </a:solidFill>
-              </a:rPr>
-              <a:t>)</a:t>
-            </a:r>
-            <a:r>
-              <a:rPr lang="zh-CN" altLang="en-US" sz="1800" dirty="0">
-                <a:solidFill>
-                  <a:srgbClr val="3A5BAE"/>
-                </a:solidFill>
-              </a:rPr>
-              <a:t>，可以采用</a:t>
-            </a:r>
-            <a:r>
-              <a:rPr lang="en-US" altLang="zh-CN" sz="1800" dirty="0">
-                <a:solidFill>
-                  <a:srgbClr val="3A5BAE"/>
-                </a:solidFill>
-              </a:rPr>
-              <a:t>ViewPager2</a:t>
-            </a:r>
-            <a:r>
-              <a:rPr lang="zh-CN" altLang="en-US" sz="1800" dirty="0">
-                <a:solidFill>
-                  <a:srgbClr val="3A5BAE"/>
-                </a:solidFill>
-              </a:rPr>
-              <a:t>来实现</a:t>
-            </a:r>
+              </a:solidFill>
+            </a:endParaRPr>
           </a:p>
           <a:p>
             <a:pPr marL="0" lvl="0" indent="0" algn="l" rtl="0">
@@ -16756,16 +16018,10 @@
           </a:bodyPr>
           <a:lstStyle/>
           <a:p>
-            <a:pPr marL="914400" lvl="1" indent="-342900" algn="l" rtl="0">
+            <a:pPr marL="457200" lvl="0" indent="-342900">
               <a:lnSpc>
                 <a:spcPct val="150000"/>
               </a:lnSpc>
-              <a:spcBef>
-                <a:spcPts val="0"/>
-              </a:spcBef>
-              <a:spcAft>
-                <a:spcPts val="0"/>
-              </a:spcAft>
               <a:buClr>
                 <a:srgbClr val="3A5BAE"/>
               </a:buClr>
@@ -16773,105 +16029,215 @@
               <a:buChar char="❏"/>
             </a:pPr>
             <a:r>
-              <a:rPr lang="zh-CN" altLang="en-US" sz="1800" dirty="0">
+              <a:rPr lang="zh-CN" altLang="en-US" sz="2000" dirty="0">
                 <a:solidFill>
                   <a:srgbClr val="3A5BAE"/>
                 </a:solidFill>
               </a:rPr>
-              <a:t>）</a:t>
+              <a:t>最难的问题：开始时想在</a:t>
             </a:r>
-            <a:endParaRPr lang="en-US" altLang="zh-CN" sz="1800" dirty="0">
+            <a:r>
+              <a:rPr lang="en-US" altLang="zh-CN" sz="2000" dirty="0" err="1">
+                <a:solidFill>
+                  <a:srgbClr val="3A5BAE"/>
+                </a:solidFill>
+              </a:rPr>
+              <a:t>MainActivity</a:t>
+            </a:r>
+            <a:r>
+              <a:rPr lang="zh-CN" altLang="en-US" sz="2000" dirty="0">
+                <a:solidFill>
+                  <a:srgbClr val="3A5BAE"/>
+                </a:solidFill>
+              </a:rPr>
+              <a:t>的</a:t>
+            </a:r>
+            <a:r>
+              <a:rPr lang="en-US" altLang="zh-CN" sz="2000" dirty="0" err="1">
+                <a:solidFill>
+                  <a:srgbClr val="3A5BAE"/>
+                </a:solidFill>
+              </a:rPr>
+              <a:t>onCreate</a:t>
+            </a:r>
+            <a:r>
+              <a:rPr lang="en-US" altLang="zh-CN" sz="2000" dirty="0">
+                <a:solidFill>
+                  <a:srgbClr val="3A5BAE"/>
+                </a:solidFill>
+              </a:rPr>
+              <a:t>()</a:t>
+            </a:r>
+            <a:r>
+              <a:rPr lang="zh-CN" altLang="en-US" sz="2000" dirty="0">
+                <a:solidFill>
+                  <a:srgbClr val="3A5BAE"/>
+                </a:solidFill>
+              </a:rPr>
+              <a:t>中设置</a:t>
+            </a:r>
+            <a:r>
+              <a:rPr lang="en-US" altLang="zh-CN" sz="2000" dirty="0">
+                <a:solidFill>
+                  <a:srgbClr val="3A5BAE"/>
+                </a:solidFill>
+              </a:rPr>
+              <a:t>ViewPager2</a:t>
+            </a:r>
+            <a:r>
+              <a:rPr lang="zh-CN" altLang="en-US" sz="2000" dirty="0">
+                <a:solidFill>
+                  <a:srgbClr val="3A5BAE"/>
+                </a:solidFill>
+              </a:rPr>
+              <a:t>的数据集，但是找不到方法将</a:t>
+            </a:r>
+            <a:r>
+              <a:rPr lang="en-US" altLang="zh-CN" sz="2000" dirty="0">
+                <a:solidFill>
+                  <a:srgbClr val="3A5BAE"/>
+                </a:solidFill>
+              </a:rPr>
+              <a:t>Retrofit</a:t>
+            </a:r>
+            <a:r>
+              <a:rPr lang="zh-CN" altLang="en-US" sz="2000" dirty="0">
+                <a:solidFill>
+                  <a:srgbClr val="3A5BAE"/>
+                </a:solidFill>
+              </a:rPr>
+              <a:t>在</a:t>
+            </a:r>
+            <a:r>
+              <a:rPr lang="en-US" altLang="zh-CN" sz="2000" dirty="0" err="1">
+                <a:solidFill>
+                  <a:srgbClr val="3A5BAE"/>
+                </a:solidFill>
+              </a:rPr>
+              <a:t>onResponse</a:t>
+            </a:r>
+            <a:r>
+              <a:rPr lang="en-US" altLang="zh-CN" sz="2000" dirty="0">
+                <a:solidFill>
+                  <a:srgbClr val="3A5BAE"/>
+                </a:solidFill>
+              </a:rPr>
+              <a:t>()</a:t>
+            </a:r>
+            <a:r>
+              <a:rPr lang="zh-CN" altLang="en-US" sz="2000" dirty="0">
+                <a:solidFill>
+                  <a:srgbClr val="3A5BAE"/>
+                </a:solidFill>
+              </a:rPr>
+              <a:t>中获取的数据传出。</a:t>
+            </a:r>
+            <a:endParaRPr lang="en-US" altLang="zh-CN" sz="2000" dirty="0">
               <a:solidFill>
                 <a:srgbClr val="3A5BAE"/>
               </a:solidFill>
             </a:endParaRPr>
           </a:p>
           <a:p>
-            <a:pPr marL="914400" lvl="1" indent="-342900" algn="l" rtl="0">
+            <a:pPr marL="457200" lvl="0" indent="-342900">
               <a:lnSpc>
                 <a:spcPct val="150000"/>
               </a:lnSpc>
-              <a:spcBef>
-                <a:spcPts val="0"/>
-              </a:spcBef>
-              <a:spcAft>
-                <a:spcPts val="0"/>
-              </a:spcAft>
               <a:buClr>
                 <a:srgbClr val="3A5BAE"/>
               </a:buClr>
               <a:buSzPts val="1800"/>
               <a:buChar char="❏"/>
             </a:pPr>
-            <a:endParaRPr lang="en-US" altLang="zh-CN" sz="1800" dirty="0">
-              <a:solidFill>
-                <a:srgbClr val="3A5BAE"/>
-              </a:solidFill>
-            </a:endParaRPr>
-          </a:p>
-          <a:p>
-            <a:pPr marL="571500" lvl="1" algn="l" rtl="0">
-              <a:lnSpc>
-                <a:spcPct val="150000"/>
-              </a:lnSpc>
-              <a:spcBef>
-                <a:spcPts val="0"/>
-              </a:spcBef>
-              <a:spcAft>
-                <a:spcPts val="0"/>
-              </a:spcAft>
-              <a:buClr>
-                <a:srgbClr val="3A5BAE"/>
-              </a:buClr>
-              <a:buSzPts val="1800"/>
-            </a:pPr>
-            <a:endParaRPr lang="en-US" altLang="zh-CN" sz="1800" dirty="0">
-              <a:solidFill>
-                <a:srgbClr val="3A5BAE"/>
-              </a:solidFill>
-            </a:endParaRPr>
-          </a:p>
-          <a:p>
-            <a:pPr marL="914400" lvl="1" indent="-342900" algn="l" rtl="0">
-              <a:lnSpc>
-                <a:spcPct val="150000"/>
-              </a:lnSpc>
-              <a:spcBef>
-                <a:spcPts val="0"/>
-              </a:spcBef>
-              <a:spcAft>
-                <a:spcPts val="0"/>
-              </a:spcAft>
-              <a:buClr>
-                <a:srgbClr val="3A5BAE"/>
-              </a:buClr>
-              <a:buSzPts val="1800"/>
-              <a:buChar char="❏"/>
-            </a:pPr>
-            <a:endParaRPr lang="en-US" altLang="zh-CN" sz="1800" dirty="0">
-              <a:solidFill>
-                <a:srgbClr val="3A5BAE"/>
-              </a:solidFill>
-            </a:endParaRPr>
-          </a:p>
-          <a:p>
-            <a:pPr marL="914400" lvl="1" indent="-342900" algn="l" rtl="0">
-              <a:lnSpc>
-                <a:spcPct val="150000"/>
-              </a:lnSpc>
-              <a:spcBef>
-                <a:spcPts val="0"/>
-              </a:spcBef>
-              <a:spcAft>
-                <a:spcPts val="0"/>
-              </a:spcAft>
-              <a:buClr>
-                <a:srgbClr val="3A5BAE"/>
-              </a:buClr>
-              <a:buSzPts val="1800"/>
-              <a:buChar char="❏"/>
-            </a:pPr>
-            <a:endParaRPr lang="en-US" altLang="zh-CN" sz="1800" dirty="0">
+            <a:r>
+              <a:rPr lang="zh-CN" altLang="en-US" sz="2000" dirty="0">
+                <a:solidFill>
+                  <a:srgbClr val="3A5BAE"/>
+                </a:solidFill>
+              </a:rPr>
+              <a:t>最后的解决方法：在 </a:t>
+            </a:r>
+            <a:r>
+              <a:rPr lang="en-US" altLang="zh-CN" sz="2000" dirty="0" err="1">
+                <a:solidFill>
+                  <a:srgbClr val="3A5BAE"/>
+                </a:solidFill>
+              </a:rPr>
+              <a:t>onCreate</a:t>
+            </a:r>
+            <a:r>
+              <a:rPr lang="en-US" altLang="zh-CN" sz="2000" dirty="0">
+                <a:solidFill>
+                  <a:srgbClr val="3A5BAE"/>
+                </a:solidFill>
+              </a:rPr>
+              <a:t>()</a:t>
+            </a:r>
+            <a:r>
+              <a:rPr lang="zh-CN" altLang="en-US" sz="2000" dirty="0">
+                <a:solidFill>
+                  <a:srgbClr val="3A5BAE"/>
+                </a:solidFill>
+              </a:rPr>
+              <a:t>使用</a:t>
+            </a:r>
+            <a:r>
+              <a:rPr lang="en-US" altLang="zh-CN" sz="2000" dirty="0">
+                <a:solidFill>
+                  <a:srgbClr val="3A5BAE"/>
+                </a:solidFill>
+              </a:rPr>
+              <a:t>Retrofit</a:t>
+            </a:r>
+            <a:r>
+              <a:rPr lang="zh-CN" altLang="en-US" sz="2000" dirty="0">
+                <a:solidFill>
+                  <a:srgbClr val="3A5BAE"/>
+                </a:solidFill>
+              </a:rPr>
+              <a:t>获取数据，直接在</a:t>
+            </a:r>
+            <a:r>
+              <a:rPr lang="en-US" altLang="zh-CN" sz="2000" dirty="0" err="1">
+                <a:solidFill>
+                  <a:srgbClr val="3A5BAE"/>
+                </a:solidFill>
+              </a:rPr>
+              <a:t>onResponse</a:t>
+            </a:r>
+            <a:r>
+              <a:rPr lang="en-US" altLang="zh-CN" sz="2000" dirty="0">
+                <a:solidFill>
+                  <a:srgbClr val="3A5BAE"/>
+                </a:solidFill>
+              </a:rPr>
+              <a:t>()</a:t>
+            </a:r>
+            <a:r>
+              <a:rPr lang="zh-CN" altLang="en-US" sz="2000" dirty="0">
+                <a:solidFill>
+                  <a:srgbClr val="3A5BAE"/>
+                </a:solidFill>
+              </a:rPr>
+              <a:t>中设置</a:t>
+            </a:r>
+            <a:r>
+              <a:rPr lang="en-US" altLang="zh-CN" sz="2000" dirty="0">
+                <a:solidFill>
+                  <a:srgbClr val="3A5BAE"/>
+                </a:solidFill>
+              </a:rPr>
+              <a:t>ViewPager2</a:t>
+            </a:r>
+            <a:r>
+              <a:rPr lang="zh-CN" altLang="en-US" sz="2000" dirty="0">
+                <a:solidFill>
+                  <a:srgbClr val="3A5BAE"/>
+                </a:solidFill>
+              </a:rPr>
+              <a:t>的数据集</a:t>
+            </a:r>
+            <a:endParaRPr lang="en-US" altLang="zh-CN" sz="2000" dirty="0">
               <a:solidFill>
                 <a:srgbClr val="3A5BAE"/>
               </a:solidFill>
@@ -17000,7 +16366,7 @@
         <p:spPr>
           <a:xfrm>
             <a:off x="518425" y="1125075"/>
-            <a:ext cx="6948900" cy="3496500"/>
+            <a:ext cx="6948900" cy="3886404"/>
           </a:xfrm>
           <a:prstGeom prst="rect">
             <a:avLst/>
@@ -17016,16 +16382,10 @@
           </a:bodyPr>
           <a:lstStyle/>
           <a:p>
-            <a:pPr marL="457200" lvl="0" indent="-342900" algn="l" rtl="0">
+            <a:pPr marL="457200" lvl="0" indent="-342900">
               <a:lnSpc>
                 <a:spcPct val="150000"/>
               </a:lnSpc>
-              <a:spcBef>
-                <a:spcPts val="0"/>
-              </a:spcBef>
-              <a:spcAft>
-                <a:spcPts val="0"/>
-              </a:spcAft>
               <a:buClr>
                 <a:srgbClr val="3A5BAE"/>
               </a:buClr>
@@ -17033,350 +16393,376 @@
               <a:buChar char="❏"/>
             </a:pPr>
             <a:r>
-              <a:rPr lang="en" sz="1800" dirty="0">
+              <a:rPr lang="zh-CN" altLang="en-US" sz="1800" dirty="0">
                 <a:solidFill>
                   <a:srgbClr val="3A5BAE"/>
                 </a:solidFill>
               </a:rPr>
-              <a:t>2人一组，自由组队</a:t>
+              <a:t>问题一：</a:t>
             </a:r>
-            <a:endParaRPr sz="1800" dirty="0">
+            <a:r>
+              <a:rPr lang="en-US" altLang="zh-CN" sz="1800" dirty="0">
+                <a:solidFill>
+                  <a:srgbClr val="3A5BAE"/>
+                </a:solidFill>
+              </a:rPr>
+              <a:t>API</a:t>
+            </a:r>
+            <a:r>
+              <a:rPr lang="zh-CN" altLang="en-US" sz="1800" dirty="0">
+                <a:solidFill>
+                  <a:srgbClr val="3A5BAE"/>
+                </a:solidFill>
+              </a:rPr>
+              <a:t>的数据是数组而不是键值对，使用</a:t>
+            </a:r>
+            <a:r>
+              <a:rPr lang="en-US" altLang="zh-CN" sz="1800" dirty="0">
+                <a:solidFill>
+                  <a:srgbClr val="3A5BAE"/>
+                </a:solidFill>
+              </a:rPr>
+              <a:t>retrofit</a:t>
+            </a:r>
+            <a:r>
+              <a:rPr lang="zh-CN" altLang="en-US" sz="1800" dirty="0">
+                <a:solidFill>
+                  <a:srgbClr val="3A5BAE"/>
+                </a:solidFill>
+              </a:rPr>
+              <a:t>时不知道如何定义相应的对象类与接口。</a:t>
+            </a:r>
+            <a:endParaRPr lang="en-US" altLang="zh-CN" sz="1800" dirty="0">
               <a:solidFill>
                 <a:srgbClr val="3A5BAE"/>
               </a:solidFill>
             </a:endParaRPr>
           </a:p>
           <a:p>
-            <a:pPr marL="914400" lvl="1" indent="-342900" algn="l" rtl="0">
+            <a:pPr marL="114300">
               <a:lnSpc>
                 <a:spcPct val="150000"/>
               </a:lnSpc>
-              <a:spcBef>
-                <a:spcPts val="0"/>
-              </a:spcBef>
-              <a:spcAft>
-                <a:spcPts val="0"/>
-              </a:spcAft>
               <a:buClr>
                 <a:srgbClr val="3A5BAE"/>
               </a:buClr>
               <a:buSzPts val="1800"/>
-              <a:buChar char="❏"/>
             </a:pPr>
             <a:r>
-              <a:rPr lang="en" sz="1800" dirty="0">
+              <a:rPr lang="zh-CN" altLang="en-US" sz="1800" dirty="0">
                 <a:solidFill>
                   <a:srgbClr val="3A5BAE"/>
                 </a:solidFill>
               </a:rPr>
-              <a:t>如果自己可以搞定，允许1人自己组队</a:t>
+              <a:t>     解决方法：定义的对象类</a:t>
             </a:r>
-            <a:endParaRPr sz="1800" dirty="0">
+            <a:r>
+              <a:rPr lang="en-US" altLang="zh-CN" sz="1800" dirty="0" err="1">
+                <a:solidFill>
+                  <a:srgbClr val="3A5BAE"/>
+                </a:solidFill>
+              </a:rPr>
+              <a:t>Vedio</a:t>
+            </a:r>
+            <a:r>
+              <a:rPr lang="zh-CN" altLang="en-US" sz="1800" dirty="0">
+                <a:solidFill>
+                  <a:srgbClr val="3A5BAE"/>
+                </a:solidFill>
+              </a:rPr>
+              <a:t>与数组元素对应，</a:t>
+            </a:r>
+            <a:r>
+              <a:rPr lang="en-US" altLang="zh-CN" sz="1800" dirty="0" err="1">
+                <a:solidFill>
+                  <a:srgbClr val="3A5BAE"/>
+                </a:solidFill>
+              </a:rPr>
+              <a:t>ApiService</a:t>
+            </a:r>
+            <a:r>
+              <a:rPr lang="zh-CN" altLang="en-US" sz="1800" dirty="0">
+                <a:solidFill>
+                  <a:srgbClr val="3A5BAE"/>
+                </a:solidFill>
+              </a:rPr>
+              <a:t>的     </a:t>
+            </a:r>
+            <a:r>
+              <a:rPr lang="en-US" altLang="zh-CN" sz="1800" dirty="0">
+                <a:solidFill>
+                  <a:srgbClr val="3A5BAE"/>
+                </a:solidFill>
+              </a:rPr>
+              <a:t>Call&lt;Video[]&gt;</a:t>
+            </a:r>
+            <a:r>
+              <a:rPr lang="en-US" altLang="zh-CN" sz="1800" dirty="0" err="1">
+                <a:solidFill>
+                  <a:srgbClr val="3A5BAE"/>
+                </a:solidFill>
+              </a:rPr>
+              <a:t>getVideos</a:t>
+            </a:r>
+            <a:r>
+              <a:rPr lang="en-US" altLang="zh-CN" sz="1800" dirty="0">
+                <a:solidFill>
+                  <a:srgbClr val="3A5BAE"/>
+                </a:solidFill>
+              </a:rPr>
+              <a:t>()</a:t>
+            </a:r>
+            <a:r>
+              <a:rPr lang="zh-CN" altLang="en-US" sz="1800" dirty="0">
+                <a:solidFill>
+                  <a:srgbClr val="3A5BAE"/>
+                </a:solidFill>
+              </a:rPr>
+              <a:t>返回一个</a:t>
+            </a:r>
+            <a:r>
+              <a:rPr lang="en-US" altLang="zh-CN" sz="1800" dirty="0" err="1">
+                <a:solidFill>
+                  <a:srgbClr val="3A5BAE"/>
+                </a:solidFill>
+              </a:rPr>
+              <a:t>Vedio</a:t>
+            </a:r>
+            <a:r>
+              <a:rPr lang="zh-CN" altLang="en-US" sz="1800" dirty="0">
+                <a:solidFill>
+                  <a:srgbClr val="3A5BAE"/>
+                </a:solidFill>
+              </a:rPr>
+              <a:t>对象数组。</a:t>
+            </a:r>
+            <a:endParaRPr lang="en-US" altLang="zh-CN" sz="1800" dirty="0">
               <a:solidFill>
                 <a:srgbClr val="3A5BAE"/>
               </a:solidFill>
             </a:endParaRPr>
           </a:p>
           <a:p>
-            <a:pPr marL="457200" lvl="0" indent="-342900" algn="l" rtl="0">
+            <a:pPr marL="457200" indent="-342900">
               <a:lnSpc>
                 <a:spcPct val="150000"/>
               </a:lnSpc>
-              <a:spcBef>
-                <a:spcPts val="0"/>
-              </a:spcBef>
-              <a:spcAft>
-                <a:spcPts val="0"/>
-              </a:spcAft>
               <a:buClr>
                 <a:srgbClr val="3A5BAE"/>
               </a:buClr>
               <a:buSzPts val="1800"/>
+              <a:buFont typeface="Arial"/>
               <a:buChar char="❏"/>
             </a:pPr>
             <a:r>
-              <a:rPr lang="en" sz="1800" dirty="0" err="1">
+              <a:rPr lang="zh-CN" altLang="en-US" sz="1800" dirty="0">
                 <a:solidFill>
                   <a:srgbClr val="3A5BAE"/>
                 </a:solidFill>
               </a:rPr>
-              <a:t>代码</a:t>
+              <a:t>问题二：从封面跳转到视频再返回时总是回到</a:t>
             </a:r>
-            <a:endParaRPr sz="1800" dirty="0">
+            <a:r>
+              <a:rPr lang="en-US" altLang="zh-CN" sz="1800" dirty="0">
+                <a:solidFill>
+                  <a:srgbClr val="3A5BAE"/>
+                </a:solidFill>
+              </a:rPr>
+              <a:t>ViewPage2</a:t>
+            </a:r>
+            <a:r>
+              <a:rPr lang="zh-CN" altLang="en-US" sz="1800" dirty="0">
+                <a:solidFill>
+                  <a:srgbClr val="3A5BAE"/>
+                </a:solidFill>
+              </a:rPr>
+              <a:t>的第一个</a:t>
+            </a:r>
+            <a:r>
+              <a:rPr lang="en-US" altLang="zh-CN" sz="1800" dirty="0">
+                <a:solidFill>
+                  <a:srgbClr val="3A5BAE"/>
+                </a:solidFill>
+              </a:rPr>
+              <a:t>item</a:t>
+            </a:r>
+            <a:r>
+              <a:rPr lang="zh-CN" altLang="en-US" sz="1800" dirty="0">
+                <a:solidFill>
+                  <a:srgbClr val="3A5BAE"/>
+                </a:solidFill>
+              </a:rPr>
+              <a:t>，而不是之前进入视频时的</a:t>
+            </a:r>
+            <a:r>
+              <a:rPr lang="en-US" altLang="zh-CN" sz="1800" dirty="0">
+                <a:solidFill>
+                  <a:srgbClr val="3A5BAE"/>
+                </a:solidFill>
+              </a:rPr>
+              <a:t>item</a:t>
+            </a:r>
+            <a:r>
+              <a:rPr lang="zh-CN" altLang="en-US" sz="1800" dirty="0">
+                <a:solidFill>
+                  <a:srgbClr val="3A5BAE"/>
+                </a:solidFill>
+              </a:rPr>
+              <a:t>。</a:t>
+            </a:r>
+            <a:endParaRPr lang="en-US" altLang="zh-CN" sz="1800" dirty="0">
               <a:solidFill>
                 <a:srgbClr val="3A5BAE"/>
               </a:solidFill>
             </a:endParaRPr>
           </a:p>
           <a:p>
-            <a:pPr marL="914400" lvl="1" indent="-317500" algn="l" rtl="0">
+            <a:pPr marL="114300">
               <a:lnSpc>
                 <a:spcPct val="150000"/>
               </a:lnSpc>
-              <a:spcBef>
-                <a:spcPts val="0"/>
-              </a:spcBef>
-              <a:spcAft>
-                <a:spcPts val="0"/>
-              </a:spcAft>
               <a:buClr>
                 <a:srgbClr val="3A5BAE"/>
               </a:buClr>
-              <a:buSzPts val="1400"/>
-              <a:buChar char="❏"/>
+              <a:buSzPts val="1800"/>
             </a:pPr>
             <a:r>
-              <a:rPr lang="en" dirty="0" err="1">
+              <a:rPr lang="en-US" altLang="zh-CN" sz="1800" dirty="0">
                 <a:solidFill>
                   <a:srgbClr val="3A5BAE"/>
                 </a:solidFill>
               </a:rPr>
-              <a:t>放在github上，发邮件给</a:t>
+              <a:t>     </a:t>
             </a:r>
             <a:r>
-              <a:rPr lang="en" u="sng" dirty="0" err="1">
-                <a:solidFill>
-                  <a:schemeClr val="hlink"/>
-                </a:solidFill>
-                <a:hlinkClick r:id="rId4"/>
+              <a:rPr lang="zh-CN" altLang="en-US" sz="1800" dirty="0">
+                <a:solidFill>
+                  <a:srgbClr val="3A5BAE"/>
+                </a:solidFill>
               </a:rPr>
-              <a:t>home</a:t>
+              <a:t>解决方法：转跳前用</a:t>
             </a:r>
             <a:r>
-              <a:rPr lang="en-US" altLang="zh-CN" u="sng" dirty="0">
-                <a:solidFill>
-                  <a:schemeClr val="hlink"/>
-                </a:solidFill>
-                <a:hlinkClick r:id="rId4"/>
+              <a:rPr lang="en-US" altLang="zh-CN" sz="1800" dirty="0" err="1">
+                <a:solidFill>
+                  <a:srgbClr val="3A5BAE"/>
+                </a:solidFill>
               </a:rPr>
-              <a:t>work</a:t>
+              <a:t>onSaveInstanceState</a:t>
             </a:r>
             <a:r>
-              <a:rPr lang="en" u="sng" dirty="0">
-                <a:solidFill>
-                  <a:schemeClr val="hlink"/>
-                </a:solidFill>
-                <a:hlinkClick r:id="rId4"/>
+              <a:rPr lang="zh-CN" altLang="en-US" sz="1800" dirty="0">
+                <a:solidFill>
+                  <a:srgbClr val="3A5BAE"/>
+                </a:solidFill>
               </a:rPr>
-              <a:t>@</a:t>
+              <a:t>记录当前</a:t>
             </a:r>
             <a:r>
-              <a:rPr lang="en" u="sng" dirty="0" err="1">
-                <a:solidFill>
-                  <a:schemeClr val="hlink"/>
-                </a:solidFill>
-                <a:hlinkClick r:id="rId4"/>
+              <a:rPr lang="en-US" altLang="zh-CN" sz="1800" dirty="0">
+                <a:solidFill>
+                  <a:srgbClr val="3A5BAE"/>
+                </a:solidFill>
               </a:rPr>
-              <a:t>bytedance.com</a:t>
+              <a:t>item</a:t>
             </a:r>
             <a:r>
-              <a:rPr lang="en" dirty="0" err="1">
+              <a:rPr lang="zh-CN" altLang="en-US" sz="1800" dirty="0">
                 <a:solidFill>
                   <a:srgbClr val="3A5BAE"/>
                 </a:solidFill>
               </a:rPr>
-              <a:t>，标题</a:t>
+              <a:t>编号</a:t>
             </a:r>
             <a:r>
-              <a:rPr lang="en" dirty="0">
+              <a:rPr lang="en-US" altLang="zh-CN" sz="1800" dirty="0">
                 <a:solidFill>
                   <a:srgbClr val="3A5BAE"/>
                 </a:solidFill>
               </a:rPr>
-              <a:t> “</a:t>
+              <a:t>,</a:t>
             </a:r>
             <a:r>
-              <a:rPr lang="en" dirty="0" err="1">
+              <a:rPr lang="zh-CN" altLang="en-US" sz="1800" dirty="0">
                 <a:solidFill>
                   <a:srgbClr val="3A5BAE"/>
                 </a:solidFill>
               </a:rPr>
-              <a:t>Android大作业</a:t>
+              <a:t>返回时获取当前</a:t>
             </a:r>
             <a:r>
-              <a:rPr lang="en" dirty="0">
+              <a:rPr lang="en-US" altLang="zh-CN" sz="1800" dirty="0">
                 <a:solidFill>
                   <a:srgbClr val="3A5BAE"/>
                 </a:solidFill>
               </a:rPr>
-              <a:t>”，</a:t>
+              <a:t>item</a:t>
             </a:r>
             <a:r>
-              <a:rPr lang="en" dirty="0" err="1">
+              <a:rPr lang="zh-CN" altLang="en-US" sz="1800" dirty="0">
                 <a:solidFill>
                   <a:srgbClr val="3A5BAE"/>
                 </a:solidFill>
               </a:rPr>
-              <a:t>内容是github地址，队员的姓名和学号</a:t>
+              <a:t>编号并通过 </a:t>
             </a:r>
             <a:r>
-              <a:rPr lang="en" dirty="0">
+              <a:rPr lang="en-US" altLang="zh-CN" sz="1800" dirty="0">
                 <a:solidFill>
                   <a:srgbClr val="3A5BAE"/>
                 </a:solidFill>
               </a:rPr>
-              <a:t>。</a:t>
+              <a:t>viewPager2.setCurrentItem()</a:t>
             </a:r>
-            <a:endParaRPr dirty="0">
+            <a:r>
+              <a:rPr lang="zh-CN" altLang="en-US" sz="1800" dirty="0">
+                <a:solidFill>
+                  <a:srgbClr val="3A5BAE"/>
+                </a:solidFill>
+              </a:rPr>
+              <a:t>设置当前</a:t>
+            </a:r>
+            <a:r>
+              <a:rPr lang="en-US" altLang="zh-CN" sz="1800" dirty="0">
+                <a:solidFill>
+                  <a:srgbClr val="3A5BAE"/>
+                </a:solidFill>
+              </a:rPr>
+              <a:t>item</a:t>
+            </a:r>
+            <a:r>
+              <a:rPr lang="zh-CN" altLang="en-US" sz="1800" dirty="0">
+                <a:solidFill>
+                  <a:srgbClr val="3A5BAE"/>
+                </a:solidFill>
+              </a:rPr>
+              <a:t>；</a:t>
+            </a:r>
+            <a:endParaRPr lang="en-US" altLang="zh-CN" sz="1800" dirty="0">
               <a:solidFill>
                 <a:srgbClr val="3A5BAE"/>
               </a:solidFill>
             </a:endParaRPr>
           </a:p>
           <a:p>
-            <a:pPr marL="457200" lvl="0" indent="-342900" algn="l" rtl="0">
+            <a:pPr marL="114300" lvl="0">
               <a:lnSpc>
                 <a:spcPct val="150000"/>
               </a:lnSpc>
-              <a:spcBef>
-                <a:spcPts val="0"/>
-              </a:spcBef>
-              <a:spcAft>
-                <a:spcPts val="0"/>
-              </a:spcAft>
               <a:buClr>
                 <a:srgbClr val="3A5BAE"/>
               </a:buClr>
               <a:buSzPts val="1800"/>
-              <a:buChar char="❏"/>
             </a:pPr>
             <a:r>
-              <a:rPr lang="en" sz="1800" dirty="0">
+              <a:rPr lang="zh-CN" altLang="en-US" sz="1800" dirty="0">
                 <a:solidFill>
                   <a:srgbClr val="3A5BAE"/>
                 </a:solidFill>
               </a:rPr>
-              <a:t>PPT </a:t>
+              <a:t>    </a:t>
             </a:r>
-            <a:r>
-              <a:rPr lang="en" sz="1800" dirty="0" err="1">
-                <a:solidFill>
-                  <a:srgbClr val="3A5BAE"/>
-                </a:solidFill>
-              </a:rPr>
-              <a:t>内容包含</a:t>
-            </a:r>
-            <a:r>
-              <a:rPr lang="en" sz="1800" dirty="0">
-                <a:solidFill>
-                  <a:srgbClr val="3A5BAE"/>
-                </a:solidFill>
-              </a:rPr>
-              <a:t>：</a:t>
-            </a:r>
-            <a:endParaRPr sz="1800" dirty="0">
-              <a:solidFill>
-                <a:srgbClr val="3A5BAE"/>
-              </a:solidFill>
-            </a:endParaRPr>
-          </a:p>
-          <a:p>
-            <a:pPr marL="914400" lvl="1" indent="-317500" algn="l" rtl="0">
-              <a:lnSpc>
-                <a:spcPct val="150000"/>
-              </a:lnSpc>
-              <a:spcBef>
-                <a:spcPts val="0"/>
-              </a:spcBef>
-              <a:spcAft>
-                <a:spcPts val="0"/>
-              </a:spcAft>
-              <a:buClr>
-                <a:srgbClr val="3A5BAE"/>
-              </a:buClr>
-              <a:buSzPts val="1400"/>
-              <a:buChar char="❏"/>
-            </a:pPr>
-            <a:r>
-              <a:rPr lang="en" dirty="0" err="1">
-                <a:solidFill>
-                  <a:srgbClr val="3A5BAE"/>
-                </a:solidFill>
-              </a:rPr>
-              <a:t>本队两个同学如何分工的</a:t>
-            </a:r>
-            <a:endParaRPr dirty="0">
-              <a:solidFill>
-                <a:srgbClr val="3A5BAE"/>
-              </a:solidFill>
-            </a:endParaRPr>
-          </a:p>
-          <a:p>
-            <a:pPr marL="914400" lvl="1" indent="-317500" algn="l" rtl="0">
-              <a:lnSpc>
-                <a:spcPct val="150000"/>
-              </a:lnSpc>
-              <a:spcBef>
-                <a:spcPts val="0"/>
-              </a:spcBef>
-              <a:spcAft>
-                <a:spcPts val="0"/>
-              </a:spcAft>
-              <a:buClr>
-                <a:srgbClr val="3A5BAE"/>
-              </a:buClr>
-              <a:buSzPts val="1400"/>
-              <a:buChar char="❏"/>
-            </a:pPr>
-            <a:r>
-              <a:rPr lang="en" dirty="0" err="1">
-                <a:solidFill>
-                  <a:srgbClr val="3A5BAE"/>
-                </a:solidFill>
-              </a:rPr>
-              <a:t>作业里创新的地方在哪里</a:t>
-            </a:r>
-            <a:endParaRPr dirty="0">
-              <a:solidFill>
-                <a:srgbClr val="3A5BAE"/>
-              </a:solidFill>
-            </a:endParaRPr>
-          </a:p>
-          <a:p>
-            <a:pPr marL="914400" lvl="1" indent="-317500" algn="l" rtl="0">
-              <a:lnSpc>
-                <a:spcPct val="150000"/>
-              </a:lnSpc>
-              <a:spcBef>
-                <a:spcPts val="0"/>
-              </a:spcBef>
-              <a:spcAft>
-                <a:spcPts val="0"/>
-              </a:spcAft>
-              <a:buClr>
-                <a:srgbClr val="3A5BAE"/>
-              </a:buClr>
-              <a:buSzPts val="1400"/>
-              <a:buChar char="❏"/>
-            </a:pPr>
-            <a:r>
-              <a:rPr lang="en" dirty="0" err="1">
-                <a:solidFill>
-                  <a:srgbClr val="3A5BAE"/>
-                </a:solidFill>
-              </a:rPr>
-              <a:t>作业中解决的最难的问题是什么</a:t>
-            </a:r>
-            <a:endParaRPr dirty="0">
-              <a:solidFill>
-                <a:srgbClr val="3A5BAE"/>
-              </a:solidFill>
-            </a:endParaRPr>
-          </a:p>
-          <a:p>
-            <a:pPr marL="0" lvl="0" indent="0" algn="l" rtl="0">
-              <a:lnSpc>
-                <a:spcPct val="150000"/>
-              </a:lnSpc>
-              <a:spcBef>
-                <a:spcPts val="0"/>
-              </a:spcBef>
-              <a:spcAft>
-                <a:spcPts val="0"/>
-              </a:spcAft>
-              <a:buNone/>
-            </a:pPr>
-            <a:endParaRPr sz="1800" dirty="0">
+            <a:endParaRPr lang="en-US" altLang="zh-CN" sz="1800" dirty="0">
               <a:solidFill>
                 <a:srgbClr val="3A5BAE"/>
               </a:solidFill>
@@ -17427,7 +16813,7 @@
               <a:buNone/>
             </a:pPr>
             <a:r>
-              <a:rPr lang="en" sz="2400" b="1">
+              <a:rPr lang="zh-CN" altLang="en-US" sz="2400" b="1" dirty="0">
                 <a:solidFill>
                   <a:srgbClr val="3A5BAE"/>
                 </a:solidFill>
@@ -17436,9 +16822,9 @@
                 <a:cs typeface="Helvetica Neue"/>
                 <a:sym typeface="Helvetica Neue"/>
               </a:rPr>
-              <a:t>作业要求和考评方法</a:t>
+              <a:t>遇到的其它问题</a:t>
             </a:r>
-            <a:endParaRPr sz="2400" b="1">
+            <a:endParaRPr sz="2400" b="1" dirty="0">
               <a:solidFill>
                 <a:srgbClr val="3A5BAE"/>
               </a:solidFill>
@@ -17451,6 +16837,347 @@
         </p:txBody>
       </p:sp>
     </p:spTree>
+  </p:cSld>
+  <p:clrMapOvr>
+    <a:masterClrMapping/>
+  </p:clrMapOvr>
+</p:sld>
+</file>
+
+<file path=ppt/slides/slide7.xml><?xml version="1.0" encoding="utf-8"?>
+<p:sld xmlns:a="http://schemas.openxmlformats.org/drawingml/2006/main" xmlns:r="http://schemas.openxmlformats.org/officeDocument/2006/relationships" xmlns:p="http://schemas.openxmlformats.org/presentationml/2006/main">
+  <p:cSld>
+    <p:spTree>
+      <p:nvGrpSpPr>
+        <p:cNvPr id="1" name="Shape 158"/>
+        <p:cNvGrpSpPr/>
+        <p:nvPr/>
+      </p:nvGrpSpPr>
+      <p:grpSpPr>
+        <a:xfrm>
+          <a:off x="0" y="0"/>
+          <a:ext cx="0" cy="0"/>
+          <a:chOff x="0" y="0"/>
+          <a:chExt cx="0" cy="0"/>
+        </a:xfrm>
+      </p:grpSpPr>
+      <p:pic>
+        <p:nvPicPr>
+          <p:cNvPr id="159" name="Google Shape;159;p34" descr="字节跳动ByteDance-PPT-0724-03.jpg"/>
+          <p:cNvPicPr preferRelativeResize="0"/>
+          <p:nvPr/>
+        </p:nvPicPr>
+        <p:blipFill rotWithShape="1">
+          <a:blip r:embed="rId3">
+            <a:alphaModFix/>
+          </a:blip>
+          <a:srcRect/>
+          <a:stretch/>
+        </p:blipFill>
+        <p:spPr>
+          <a:xfrm>
+            <a:off x="4060" y="0"/>
+            <a:ext cx="9135880" cy="5143499"/>
+          </a:xfrm>
+          <a:prstGeom prst="rect">
+            <a:avLst/>
+          </a:prstGeom>
+          <a:noFill/>
+          <a:ln>
+            <a:noFill/>
+          </a:ln>
+        </p:spPr>
+      </p:pic>
+      <p:sp>
+        <p:nvSpPr>
+          <p:cNvPr id="160" name="Google Shape;160;p34"/>
+          <p:cNvSpPr txBox="1"/>
+          <p:nvPr/>
+        </p:nvSpPr>
+        <p:spPr>
+          <a:xfrm>
+            <a:off x="518425" y="1125075"/>
+            <a:ext cx="6948900" cy="3886404"/>
+          </a:xfrm>
+          <a:prstGeom prst="rect">
+            <a:avLst/>
+          </a:prstGeom>
+          <a:noFill/>
+          <a:ln>
+            <a:noFill/>
+          </a:ln>
+        </p:spPr>
+        <p:txBody>
+          <a:bodyPr spcFirstLastPara="1" wrap="square" lIns="91425" tIns="91425" rIns="91425" bIns="91425" anchor="t" anchorCtr="0">
+            <a:noAutofit/>
+          </a:bodyPr>
+          <a:lstStyle/>
+          <a:p>
+            <a:pPr marL="457200" lvl="0" indent="-342900">
+              <a:lnSpc>
+                <a:spcPct val="150000"/>
+              </a:lnSpc>
+              <a:buClr>
+                <a:srgbClr val="3A5BAE"/>
+              </a:buClr>
+              <a:buSzPts val="1800"/>
+              <a:buChar char="❏"/>
+            </a:pPr>
+            <a:r>
+              <a:rPr lang="zh-CN" altLang="en-US" sz="1800" dirty="0">
+                <a:solidFill>
+                  <a:srgbClr val="3A5BAE"/>
+                </a:solidFill>
+              </a:rPr>
+              <a:t>问题三：封面无法加载，视频黑屏并弹窗显示视频无法加载。</a:t>
+            </a:r>
+            <a:endParaRPr lang="en-US" altLang="zh-CN" sz="1800" dirty="0">
+              <a:solidFill>
+                <a:srgbClr val="3A5BAE"/>
+              </a:solidFill>
+            </a:endParaRPr>
+          </a:p>
+          <a:p>
+            <a:pPr marL="114300">
+              <a:lnSpc>
+                <a:spcPct val="150000"/>
+              </a:lnSpc>
+              <a:buClr>
+                <a:srgbClr val="3A5BAE"/>
+              </a:buClr>
+              <a:buSzPts val="1800"/>
+            </a:pPr>
+            <a:r>
+              <a:rPr lang="zh-CN" altLang="en-US" sz="1800" dirty="0">
+                <a:solidFill>
+                  <a:srgbClr val="3A5BAE"/>
+                </a:solidFill>
+              </a:rPr>
+              <a:t>     解决方法：更改网络安全配置如下</a:t>
+            </a:r>
+            <a:endParaRPr lang="en-US" altLang="zh-CN" sz="1800" dirty="0">
+              <a:solidFill>
+                <a:srgbClr val="3A5BAE"/>
+              </a:solidFill>
+            </a:endParaRPr>
+          </a:p>
+          <a:p>
+            <a:pPr marL="114300">
+              <a:lnSpc>
+                <a:spcPct val="150000"/>
+              </a:lnSpc>
+              <a:buClr>
+                <a:srgbClr val="3A5BAE"/>
+              </a:buClr>
+              <a:buSzPts val="1800"/>
+            </a:pPr>
+            <a:r>
+              <a:rPr lang="en-US" altLang="zh-CN" sz="1800" dirty="0" err="1">
+                <a:solidFill>
+                  <a:srgbClr val="3A5BAE"/>
+                </a:solidFill>
+              </a:rPr>
+              <a:t>android:networkSecurityConfig</a:t>
+            </a:r>
+            <a:r>
+              <a:rPr lang="en-US" altLang="zh-CN" sz="1800" dirty="0">
+                <a:solidFill>
+                  <a:srgbClr val="3A5BAE"/>
+                </a:solidFill>
+              </a:rPr>
+              <a:t>="@xml/</a:t>
+            </a:r>
+            <a:r>
+              <a:rPr lang="en-US" altLang="zh-CN" sz="1800" dirty="0" err="1">
+                <a:solidFill>
+                  <a:srgbClr val="3A5BAE"/>
+                </a:solidFill>
+              </a:rPr>
+              <a:t>network_config</a:t>
+            </a:r>
+            <a:r>
+              <a:rPr lang="en-US" altLang="zh-CN" sz="1800" dirty="0">
+                <a:solidFill>
+                  <a:srgbClr val="3A5BAE"/>
+                </a:solidFill>
+              </a:rPr>
+              <a:t>“</a:t>
+            </a:r>
+          </a:p>
+          <a:p>
+            <a:pPr marL="114300">
+              <a:lnSpc>
+                <a:spcPct val="150000"/>
+              </a:lnSpc>
+              <a:buClr>
+                <a:srgbClr val="3A5BAE"/>
+              </a:buClr>
+              <a:buSzPts val="1800"/>
+            </a:pPr>
+            <a:r>
+              <a:rPr lang="en-US" altLang="zh-CN" sz="1800" dirty="0" err="1">
+                <a:solidFill>
+                  <a:srgbClr val="3A5BAE"/>
+                </a:solidFill>
+              </a:rPr>
+              <a:t>network_config</a:t>
+            </a:r>
+            <a:r>
+              <a:rPr lang="zh-CN" altLang="en-US" sz="1800" dirty="0">
+                <a:solidFill>
+                  <a:srgbClr val="3A5BAE"/>
+                </a:solidFill>
+              </a:rPr>
+              <a:t>内容如下：</a:t>
+            </a:r>
+          </a:p>
+          <a:p>
+            <a:pPr marL="114300">
+              <a:lnSpc>
+                <a:spcPct val="150000"/>
+              </a:lnSpc>
+              <a:buClr>
+                <a:srgbClr val="3A5BAE"/>
+              </a:buClr>
+              <a:buSzPts val="1800"/>
+            </a:pPr>
+            <a:r>
+              <a:rPr lang="en-US" altLang="zh-CN" sz="1800" dirty="0">
+                <a:solidFill>
+                  <a:srgbClr val="3A5BAE"/>
+                </a:solidFill>
+              </a:rPr>
+              <a:t>&lt;network-security-config&gt;</a:t>
+            </a:r>
+          </a:p>
+          <a:p>
+            <a:pPr marL="114300">
+              <a:lnSpc>
+                <a:spcPct val="150000"/>
+              </a:lnSpc>
+              <a:buClr>
+                <a:srgbClr val="3A5BAE"/>
+              </a:buClr>
+              <a:buSzPts val="1800"/>
+            </a:pPr>
+            <a:r>
+              <a:rPr lang="en-US" altLang="zh-CN" sz="1800" dirty="0">
+                <a:solidFill>
+                  <a:srgbClr val="3A5BAE"/>
+                </a:solidFill>
+              </a:rPr>
+              <a:t>    &lt;base-config </a:t>
+            </a:r>
+            <a:r>
+              <a:rPr lang="en-US" altLang="zh-CN" sz="1800" dirty="0" err="1">
+                <a:solidFill>
+                  <a:srgbClr val="3A5BAE"/>
+                </a:solidFill>
+              </a:rPr>
+              <a:t>cleartextTrafficPermitted</a:t>
+            </a:r>
+            <a:r>
+              <a:rPr lang="en-US" altLang="zh-CN" sz="1800" dirty="0">
+                <a:solidFill>
+                  <a:srgbClr val="3A5BAE"/>
+                </a:solidFill>
+              </a:rPr>
+              <a:t>="true" /&gt;</a:t>
+            </a:r>
+          </a:p>
+          <a:p>
+            <a:pPr marL="114300">
+              <a:lnSpc>
+                <a:spcPct val="150000"/>
+              </a:lnSpc>
+              <a:buClr>
+                <a:srgbClr val="3A5BAE"/>
+              </a:buClr>
+              <a:buSzPts val="1800"/>
+            </a:pPr>
+            <a:r>
+              <a:rPr lang="en-US" altLang="zh-CN" sz="1800" dirty="0">
+                <a:solidFill>
+                  <a:srgbClr val="3A5BAE"/>
+                </a:solidFill>
+              </a:rPr>
+              <a:t>&lt;/network-security-config&gt;</a:t>
+            </a:r>
+          </a:p>
+        </p:txBody>
+      </p:sp>
+      <p:sp>
+        <p:nvSpPr>
+          <p:cNvPr id="161" name="Google Shape;161;p34"/>
+          <p:cNvSpPr txBox="1"/>
+          <p:nvPr/>
+        </p:nvSpPr>
+        <p:spPr>
+          <a:xfrm>
+            <a:off x="518433" y="528000"/>
+            <a:ext cx="4311600" cy="371400"/>
+          </a:xfrm>
+          <a:prstGeom prst="rect">
+            <a:avLst/>
+          </a:prstGeom>
+          <a:noFill/>
+          <a:ln>
+            <a:noFill/>
+          </a:ln>
+        </p:spPr>
+        <p:txBody>
+          <a:bodyPr spcFirstLastPara="1" wrap="square" lIns="19050" tIns="19050" rIns="19050" bIns="19050" anchor="ctr" anchorCtr="0">
+            <a:noAutofit/>
+          </a:bodyPr>
+          <a:lstStyle/>
+          <a:p>
+            <a:pPr marL="0" marR="0" lvl="0" indent="0" algn="l" rtl="0">
+              <a:lnSpc>
+                <a:spcPct val="100000"/>
+              </a:lnSpc>
+              <a:spcBef>
+                <a:spcPts val="0"/>
+              </a:spcBef>
+              <a:spcAft>
+                <a:spcPts val="0"/>
+              </a:spcAft>
+              <a:buClr>
+                <a:srgbClr val="5E5E5E"/>
+              </a:buClr>
+              <a:buSzPts val="1900"/>
+              <a:buFont typeface="Helvetica Neue"/>
+              <a:buNone/>
+            </a:pPr>
+            <a:r>
+              <a:rPr lang="zh-CN" altLang="en-US" sz="2400" b="1" dirty="0">
+                <a:solidFill>
+                  <a:srgbClr val="3A5BAE"/>
+                </a:solidFill>
+                <a:latin typeface="Helvetica Neue"/>
+                <a:ea typeface="Helvetica Neue"/>
+                <a:cs typeface="Helvetica Neue"/>
+                <a:sym typeface="Helvetica Neue"/>
+              </a:rPr>
+              <a:t>遇到的其它问题</a:t>
+            </a:r>
+            <a:endParaRPr sz="2400" b="1" dirty="0">
+              <a:solidFill>
+                <a:srgbClr val="3A5BAE"/>
+              </a:solidFill>
+              <a:latin typeface="Helvetica Neue"/>
+              <a:ea typeface="Helvetica Neue"/>
+              <a:cs typeface="Helvetica Neue"/>
+              <a:sym typeface="Helvetica Neue"/>
+            </a:endParaRPr>
+          </a:p>
+        </p:txBody>
+      </p:sp>
+    </p:spTree>
+    <p:extLst>
+      <p:ext uri="{BB962C8B-B14F-4D97-AF65-F5344CB8AC3E}">
+        <p14:creationId xmlns:p14="http://schemas.microsoft.com/office/powerpoint/2010/main" val="1801604701"/>
+      </p:ext>
+    </p:extLst>
   </p:cSld>
   <p:clrMapOvr>
     <a:masterClrMapping/>
